--- a/C#_Chapter_12.pptx
+++ b/C#_Chapter_12.pptx
@@ -5,7 +5,7 @@
     <p:sldMasterId id="2147483648" r:id="rId1"/>
   </p:sldMasterIdLst>
   <p:notesMasterIdLst>
-    <p:notesMasterId r:id="rId18"/>
+    <p:notesMasterId r:id="rId22"/>
   </p:notesMasterIdLst>
   <p:sldIdLst>
     <p:sldId id="256" r:id="rId2"/>
@@ -24,6 +24,10 @@
     <p:sldId id="288" r:id="rId15"/>
     <p:sldId id="290" r:id="rId16"/>
     <p:sldId id="289" r:id="rId17"/>
+    <p:sldId id="291" r:id="rId18"/>
+    <p:sldId id="292" r:id="rId19"/>
+    <p:sldId id="293" r:id="rId20"/>
+    <p:sldId id="294" r:id="rId21"/>
   </p:sldIdLst>
   <p:sldSz cx="12192000" cy="6858000"/>
   <p:notesSz cx="6858000" cy="9144000"/>
@@ -1069,6 +1073,342 @@
     <p:extLst>
       <p:ext uri="{BB962C8B-B14F-4D97-AF65-F5344CB8AC3E}">
         <p14:creationId xmlns:p14="http://schemas.microsoft.com/office/powerpoint/2010/main" val="3056350594"/>
+      </p:ext>
+    </p:extLst>
+  </p:cSld>
+  <p:clrMapOvr>
+    <a:masterClrMapping/>
+  </p:clrMapOvr>
+</p:notes>
+</file>
+
+<file path=ppt/notesSlides/notesSlide16.xml><?xml version="1.0" encoding="utf-8"?>
+<p:notes xmlns:a="http://schemas.openxmlformats.org/drawingml/2006/main" xmlns:r="http://schemas.openxmlformats.org/officeDocument/2006/relationships" xmlns:p="http://schemas.openxmlformats.org/presentationml/2006/main">
+  <p:cSld>
+    <p:spTree>
+      <p:nvGrpSpPr>
+        <p:cNvPr id="1" name=""/>
+        <p:cNvGrpSpPr/>
+        <p:nvPr/>
+      </p:nvGrpSpPr>
+      <p:grpSpPr>
+        <a:xfrm>
+          <a:off x="0" y="0"/>
+          <a:ext cx="0" cy="0"/>
+          <a:chOff x="0" y="0"/>
+          <a:chExt cx="0" cy="0"/>
+        </a:xfrm>
+      </p:grpSpPr>
+      <p:sp>
+        <p:nvSpPr>
+          <p:cNvPr id="2" name="슬라이드 이미지 개체 틀 1"/>
+          <p:cNvSpPr>
+            <a:spLocks noGrp="1" noRot="1" noChangeAspect="1"/>
+          </p:cNvSpPr>
+          <p:nvPr>
+            <p:ph type="sldImg"/>
+          </p:nvPr>
+        </p:nvSpPr>
+        <p:spPr/>
+      </p:sp>
+      <p:sp>
+        <p:nvSpPr>
+          <p:cNvPr id="3" name="슬라이드 노트 개체 틀 2"/>
+          <p:cNvSpPr>
+            <a:spLocks noGrp="1"/>
+          </p:cNvSpPr>
+          <p:nvPr>
+            <p:ph type="body" idx="1"/>
+          </p:nvPr>
+        </p:nvSpPr>
+        <p:spPr/>
+        <p:txBody>
+          <a:bodyPr/>
+          <a:lstStyle/>
+          <a:p>
+            <a:endParaRPr lang="ko-KR" altLang="en-US" dirty="0"/>
+          </a:p>
+        </p:txBody>
+      </p:sp>
+      <p:sp>
+        <p:nvSpPr>
+          <p:cNvPr id="4" name="슬라이드 번호 개체 틀 3"/>
+          <p:cNvSpPr>
+            <a:spLocks noGrp="1"/>
+          </p:cNvSpPr>
+          <p:nvPr>
+            <p:ph type="sldNum" sz="quarter" idx="10"/>
+          </p:nvPr>
+        </p:nvSpPr>
+        <p:spPr/>
+        <p:txBody>
+          <a:bodyPr/>
+          <a:lstStyle/>
+          <a:p>
+            <a:fld id="{58FE420B-9FF8-422D-AD08-A4FAC3E5B209}" type="slidenum">
+              <a:rPr lang="ko-KR" altLang="en-US" smtClean="0"/>
+              <a:t>17</a:t>
+            </a:fld>
+            <a:endParaRPr lang="ko-KR" altLang="en-US"/>
+          </a:p>
+        </p:txBody>
+      </p:sp>
+    </p:spTree>
+    <p:extLst>
+      <p:ext uri="{BB962C8B-B14F-4D97-AF65-F5344CB8AC3E}">
+        <p14:creationId xmlns:p14="http://schemas.microsoft.com/office/powerpoint/2010/main" val="346531842"/>
+      </p:ext>
+    </p:extLst>
+  </p:cSld>
+  <p:clrMapOvr>
+    <a:masterClrMapping/>
+  </p:clrMapOvr>
+</p:notes>
+</file>
+
+<file path=ppt/notesSlides/notesSlide17.xml><?xml version="1.0" encoding="utf-8"?>
+<p:notes xmlns:a="http://schemas.openxmlformats.org/drawingml/2006/main" xmlns:r="http://schemas.openxmlformats.org/officeDocument/2006/relationships" xmlns:p="http://schemas.openxmlformats.org/presentationml/2006/main">
+  <p:cSld>
+    <p:spTree>
+      <p:nvGrpSpPr>
+        <p:cNvPr id="1" name=""/>
+        <p:cNvGrpSpPr/>
+        <p:nvPr/>
+      </p:nvGrpSpPr>
+      <p:grpSpPr>
+        <a:xfrm>
+          <a:off x="0" y="0"/>
+          <a:ext cx="0" cy="0"/>
+          <a:chOff x="0" y="0"/>
+          <a:chExt cx="0" cy="0"/>
+        </a:xfrm>
+      </p:grpSpPr>
+      <p:sp>
+        <p:nvSpPr>
+          <p:cNvPr id="2" name="슬라이드 이미지 개체 틀 1"/>
+          <p:cNvSpPr>
+            <a:spLocks noGrp="1" noRot="1" noChangeAspect="1"/>
+          </p:cNvSpPr>
+          <p:nvPr>
+            <p:ph type="sldImg"/>
+          </p:nvPr>
+        </p:nvSpPr>
+        <p:spPr/>
+      </p:sp>
+      <p:sp>
+        <p:nvSpPr>
+          <p:cNvPr id="3" name="슬라이드 노트 개체 틀 2"/>
+          <p:cNvSpPr>
+            <a:spLocks noGrp="1"/>
+          </p:cNvSpPr>
+          <p:nvPr>
+            <p:ph type="body" idx="1"/>
+          </p:nvPr>
+        </p:nvSpPr>
+        <p:spPr/>
+        <p:txBody>
+          <a:bodyPr/>
+          <a:lstStyle/>
+          <a:p>
+            <a:endParaRPr lang="ko-KR" altLang="en-US" dirty="0"/>
+          </a:p>
+        </p:txBody>
+      </p:sp>
+      <p:sp>
+        <p:nvSpPr>
+          <p:cNvPr id="4" name="슬라이드 번호 개체 틀 3"/>
+          <p:cNvSpPr>
+            <a:spLocks noGrp="1"/>
+          </p:cNvSpPr>
+          <p:nvPr>
+            <p:ph type="sldNum" sz="quarter" idx="10"/>
+          </p:nvPr>
+        </p:nvSpPr>
+        <p:spPr/>
+        <p:txBody>
+          <a:bodyPr/>
+          <a:lstStyle/>
+          <a:p>
+            <a:fld id="{58FE420B-9FF8-422D-AD08-A4FAC3E5B209}" type="slidenum">
+              <a:rPr lang="ko-KR" altLang="en-US" smtClean="0"/>
+              <a:t>18</a:t>
+            </a:fld>
+            <a:endParaRPr lang="ko-KR" altLang="en-US"/>
+          </a:p>
+        </p:txBody>
+      </p:sp>
+    </p:spTree>
+    <p:extLst>
+      <p:ext uri="{BB962C8B-B14F-4D97-AF65-F5344CB8AC3E}">
+        <p14:creationId xmlns:p14="http://schemas.microsoft.com/office/powerpoint/2010/main" val="3125862586"/>
+      </p:ext>
+    </p:extLst>
+  </p:cSld>
+  <p:clrMapOvr>
+    <a:masterClrMapping/>
+  </p:clrMapOvr>
+</p:notes>
+</file>
+
+<file path=ppt/notesSlides/notesSlide18.xml><?xml version="1.0" encoding="utf-8"?>
+<p:notes xmlns:a="http://schemas.openxmlformats.org/drawingml/2006/main" xmlns:r="http://schemas.openxmlformats.org/officeDocument/2006/relationships" xmlns:p="http://schemas.openxmlformats.org/presentationml/2006/main">
+  <p:cSld>
+    <p:spTree>
+      <p:nvGrpSpPr>
+        <p:cNvPr id="1" name=""/>
+        <p:cNvGrpSpPr/>
+        <p:nvPr/>
+      </p:nvGrpSpPr>
+      <p:grpSpPr>
+        <a:xfrm>
+          <a:off x="0" y="0"/>
+          <a:ext cx="0" cy="0"/>
+          <a:chOff x="0" y="0"/>
+          <a:chExt cx="0" cy="0"/>
+        </a:xfrm>
+      </p:grpSpPr>
+      <p:sp>
+        <p:nvSpPr>
+          <p:cNvPr id="2" name="슬라이드 이미지 개체 틀 1"/>
+          <p:cNvSpPr>
+            <a:spLocks noGrp="1" noRot="1" noChangeAspect="1"/>
+          </p:cNvSpPr>
+          <p:nvPr>
+            <p:ph type="sldImg"/>
+          </p:nvPr>
+        </p:nvSpPr>
+        <p:spPr/>
+      </p:sp>
+      <p:sp>
+        <p:nvSpPr>
+          <p:cNvPr id="3" name="슬라이드 노트 개체 틀 2"/>
+          <p:cNvSpPr>
+            <a:spLocks noGrp="1"/>
+          </p:cNvSpPr>
+          <p:nvPr>
+            <p:ph type="body" idx="1"/>
+          </p:nvPr>
+        </p:nvSpPr>
+        <p:spPr/>
+        <p:txBody>
+          <a:bodyPr/>
+          <a:lstStyle/>
+          <a:p>
+            <a:endParaRPr lang="ko-KR" altLang="en-US" dirty="0"/>
+          </a:p>
+        </p:txBody>
+      </p:sp>
+      <p:sp>
+        <p:nvSpPr>
+          <p:cNvPr id="4" name="슬라이드 번호 개체 틀 3"/>
+          <p:cNvSpPr>
+            <a:spLocks noGrp="1"/>
+          </p:cNvSpPr>
+          <p:nvPr>
+            <p:ph type="sldNum" sz="quarter" idx="10"/>
+          </p:nvPr>
+        </p:nvSpPr>
+        <p:spPr/>
+        <p:txBody>
+          <a:bodyPr/>
+          <a:lstStyle/>
+          <a:p>
+            <a:fld id="{58FE420B-9FF8-422D-AD08-A4FAC3E5B209}" type="slidenum">
+              <a:rPr lang="ko-KR" altLang="en-US" smtClean="0"/>
+              <a:t>19</a:t>
+            </a:fld>
+            <a:endParaRPr lang="ko-KR" altLang="en-US"/>
+          </a:p>
+        </p:txBody>
+      </p:sp>
+    </p:spTree>
+    <p:extLst>
+      <p:ext uri="{BB962C8B-B14F-4D97-AF65-F5344CB8AC3E}">
+        <p14:creationId xmlns:p14="http://schemas.microsoft.com/office/powerpoint/2010/main" val="1982037091"/>
+      </p:ext>
+    </p:extLst>
+  </p:cSld>
+  <p:clrMapOvr>
+    <a:masterClrMapping/>
+  </p:clrMapOvr>
+</p:notes>
+</file>
+
+<file path=ppt/notesSlides/notesSlide19.xml><?xml version="1.0" encoding="utf-8"?>
+<p:notes xmlns:a="http://schemas.openxmlformats.org/drawingml/2006/main" xmlns:r="http://schemas.openxmlformats.org/officeDocument/2006/relationships" xmlns:p="http://schemas.openxmlformats.org/presentationml/2006/main">
+  <p:cSld>
+    <p:spTree>
+      <p:nvGrpSpPr>
+        <p:cNvPr id="1" name=""/>
+        <p:cNvGrpSpPr/>
+        <p:nvPr/>
+      </p:nvGrpSpPr>
+      <p:grpSpPr>
+        <a:xfrm>
+          <a:off x="0" y="0"/>
+          <a:ext cx="0" cy="0"/>
+          <a:chOff x="0" y="0"/>
+          <a:chExt cx="0" cy="0"/>
+        </a:xfrm>
+      </p:grpSpPr>
+      <p:sp>
+        <p:nvSpPr>
+          <p:cNvPr id="2" name="슬라이드 이미지 개체 틀 1"/>
+          <p:cNvSpPr>
+            <a:spLocks noGrp="1" noRot="1" noChangeAspect="1"/>
+          </p:cNvSpPr>
+          <p:nvPr>
+            <p:ph type="sldImg"/>
+          </p:nvPr>
+        </p:nvSpPr>
+        <p:spPr/>
+      </p:sp>
+      <p:sp>
+        <p:nvSpPr>
+          <p:cNvPr id="3" name="슬라이드 노트 개체 틀 2"/>
+          <p:cNvSpPr>
+            <a:spLocks noGrp="1"/>
+          </p:cNvSpPr>
+          <p:nvPr>
+            <p:ph type="body" idx="1"/>
+          </p:nvPr>
+        </p:nvSpPr>
+        <p:spPr/>
+        <p:txBody>
+          <a:bodyPr/>
+          <a:lstStyle/>
+          <a:p>
+            <a:endParaRPr lang="ko-KR" altLang="en-US" dirty="0"/>
+          </a:p>
+        </p:txBody>
+      </p:sp>
+      <p:sp>
+        <p:nvSpPr>
+          <p:cNvPr id="4" name="슬라이드 번호 개체 틀 3"/>
+          <p:cNvSpPr>
+            <a:spLocks noGrp="1"/>
+          </p:cNvSpPr>
+          <p:nvPr>
+            <p:ph type="sldNum" sz="quarter" idx="10"/>
+          </p:nvPr>
+        </p:nvSpPr>
+        <p:spPr/>
+        <p:txBody>
+          <a:bodyPr/>
+          <a:lstStyle/>
+          <a:p>
+            <a:fld id="{58FE420B-9FF8-422D-AD08-A4FAC3E5B209}" type="slidenum">
+              <a:rPr lang="ko-KR" altLang="en-US" smtClean="0"/>
+              <a:t>20</a:t>
+            </a:fld>
+            <a:endParaRPr lang="ko-KR" altLang="en-US"/>
+          </a:p>
+        </p:txBody>
+      </p:sp>
+    </p:spTree>
+    <p:extLst>
+      <p:ext uri="{BB962C8B-B14F-4D97-AF65-F5344CB8AC3E}">
+        <p14:creationId xmlns:p14="http://schemas.microsoft.com/office/powerpoint/2010/main" val="1207697336"/>
       </p:ext>
     </p:extLst>
   </p:cSld>
@@ -29926,7 +30266,7 @@
           <p:nvPr>
             <p:extLst>
               <p:ext uri="{D42A27DB-BD31-4B8C-83A1-F6EECF244321}">
-                <p14:modId xmlns:p14="http://schemas.microsoft.com/office/powerpoint/2010/main" val="1683025917"/>
+                <p14:modId xmlns:p14="http://schemas.microsoft.com/office/powerpoint/2010/main" val="2287695707"/>
               </p:ext>
             </p:extLst>
           </p:nvPr>
@@ -30143,7 +30483,10 @@
                       </a:endParaRPr>
                     </a:p>
                     <a:p>
-                      <a:pPr latinLnBrk="1"/>
+                      <a:pPr marL="285750" indent="-285750" latinLnBrk="1">
+                        <a:buFont typeface="Arial" panose="020B0604020202020204" pitchFamily="34" charset="0"/>
+                        <a:buChar char="•"/>
+                      </a:pPr>
                       <a:r>
                         <a:rPr lang="en-US" altLang="ko-KR" dirty="0">
                           <a:latin typeface="Arial Black" panose="020B0A04020102020204" pitchFamily="34" charset="0"/>
@@ -30161,7 +30504,10 @@
                       </a:endParaRPr>
                     </a:p>
                     <a:p>
-                      <a:pPr latinLnBrk="1"/>
+                      <a:pPr marL="285750" indent="-285750" latinLnBrk="1">
+                        <a:buFont typeface="Arial" panose="020B0604020202020204" pitchFamily="34" charset="0"/>
+                        <a:buChar char="•"/>
+                      </a:pPr>
                       <a:r>
                         <a:rPr lang="en-US" altLang="ko-KR" dirty="0">
                           <a:latin typeface="Arial Black" panose="020B0A04020102020204" pitchFamily="34" charset="0"/>
@@ -30179,7 +30525,10 @@
                       </a:endParaRPr>
                     </a:p>
                     <a:p>
-                      <a:pPr latinLnBrk="1"/>
+                      <a:pPr marL="285750" indent="-285750" latinLnBrk="1">
+                        <a:buFont typeface="Arial" panose="020B0604020202020204" pitchFamily="34" charset="0"/>
+                        <a:buChar char="•"/>
+                      </a:pPr>
                       <a:r>
                         <a:rPr lang="en-US" altLang="ko-KR" dirty="0">
                           <a:latin typeface="Arial Black" panose="020B0A04020102020204" pitchFamily="34" charset="0"/>
@@ -30197,7 +30546,10 @@
                       </a:endParaRPr>
                     </a:p>
                     <a:p>
-                      <a:pPr latinLnBrk="1"/>
+                      <a:pPr marL="285750" indent="-285750" latinLnBrk="1">
+                        <a:buFont typeface="Arial" panose="020B0604020202020204" pitchFamily="34" charset="0"/>
+                        <a:buChar char="•"/>
+                      </a:pPr>
                       <a:r>
                         <a:rPr lang="en-US" altLang="ko-KR" dirty="0">
                           <a:latin typeface="Arial Black" panose="020B0A04020102020204" pitchFamily="34" charset="0"/>
@@ -30370,7 +30722,10 @@
                       </a:endParaRPr>
                     </a:p>
                     <a:p>
-                      <a:pPr latinLnBrk="1"/>
+                      <a:pPr marL="285750" indent="-285750" latinLnBrk="1">
+                        <a:buFont typeface="Arial" panose="020B0604020202020204" pitchFamily="34" charset="0"/>
+                        <a:buChar char="•"/>
+                      </a:pPr>
                       <a:r>
                         <a:rPr lang="ko-KR" altLang="en-US" dirty="0">
                           <a:latin typeface="Arial Black" panose="020B0A04020102020204" pitchFamily="34" charset="0"/>
@@ -30385,7 +30740,10 @@
                       </a:r>
                     </a:p>
                     <a:p>
-                      <a:pPr latinLnBrk="1"/>
+                      <a:pPr marL="285750" indent="-285750" latinLnBrk="1">
+                        <a:buFont typeface="Arial" panose="020B0604020202020204" pitchFamily="34" charset="0"/>
+                        <a:buChar char="•"/>
+                      </a:pPr>
                       <a:r>
                         <a:rPr lang="ko-KR" altLang="en-US" dirty="0">
                           <a:latin typeface="Arial Black" panose="020B0A04020102020204" pitchFamily="34" charset="0"/>
@@ -30467,7 +30825,10 @@
                       </a:endParaRPr>
                     </a:p>
                     <a:p>
-                      <a:pPr latinLnBrk="1"/>
+                      <a:pPr marL="285750" indent="-285750" latinLnBrk="1">
+                        <a:buFont typeface="Arial" panose="020B0604020202020204" pitchFamily="34" charset="0"/>
+                        <a:buChar char="•"/>
+                      </a:pPr>
                       <a:r>
                         <a:rPr lang="ko-KR" altLang="en-US" dirty="0">
                           <a:latin typeface="Arial Black" panose="020B0A04020102020204" pitchFamily="34" charset="0"/>
@@ -30482,7 +30843,10 @@
                       </a:r>
                     </a:p>
                     <a:p>
-                      <a:pPr latinLnBrk="1"/>
+                      <a:pPr marL="285750" indent="-285750" latinLnBrk="1">
+                        <a:buFont typeface="Arial" panose="020B0604020202020204" pitchFamily="34" charset="0"/>
+                        <a:buChar char="•"/>
+                      </a:pPr>
                       <a:r>
                         <a:rPr lang="ko-KR" altLang="en-US" dirty="0">
                           <a:latin typeface="Arial Black" panose="020B0A04020102020204" pitchFamily="34" charset="0"/>
@@ -30577,6 +30941,2515 @@
     <p:extLst>
       <p:ext uri="{BB962C8B-B14F-4D97-AF65-F5344CB8AC3E}">
         <p14:creationId xmlns:p14="http://schemas.microsoft.com/office/powerpoint/2010/main" val="3021544899"/>
+      </p:ext>
+    </p:extLst>
+  </p:cSld>
+  <p:clrMapOvr>
+    <a:masterClrMapping/>
+  </p:clrMapOvr>
+</p:sld>
+</file>
+
+<file path=ppt/slides/slide17.xml><?xml version="1.0" encoding="utf-8"?>
+<p:sld xmlns:a="http://schemas.openxmlformats.org/drawingml/2006/main" xmlns:r="http://schemas.openxmlformats.org/officeDocument/2006/relationships" xmlns:p="http://schemas.openxmlformats.org/presentationml/2006/main">
+  <p:cSld>
+    <p:spTree>
+      <p:nvGrpSpPr>
+        <p:cNvPr id="1" name=""/>
+        <p:cNvGrpSpPr/>
+        <p:nvPr/>
+      </p:nvGrpSpPr>
+      <p:grpSpPr>
+        <a:xfrm>
+          <a:off x="0" y="0"/>
+          <a:ext cx="0" cy="0"/>
+          <a:chOff x="0" y="0"/>
+          <a:chExt cx="0" cy="0"/>
+        </a:xfrm>
+      </p:grpSpPr>
+      <p:sp>
+        <p:nvSpPr>
+          <p:cNvPr id="4" name="제목 1"/>
+          <p:cNvSpPr>
+            <a:spLocks noGrp="1"/>
+          </p:cNvSpPr>
+          <p:nvPr>
+            <p:ph type="title"/>
+          </p:nvPr>
+        </p:nvSpPr>
+        <p:spPr>
+          <a:xfrm>
+            <a:off x="1141411" y="0"/>
+            <a:ext cx="9905998" cy="733245"/>
+          </a:xfrm>
+          <a:ln>
+            <a:noFill/>
+          </a:ln>
+        </p:spPr>
+        <p:txBody>
+          <a:bodyPr/>
+          <a:lstStyle/>
+          <a:p>
+            <a:pPr marL="342900" indent="-342900"/>
+            <a:r>
+              <a:rPr lang="en-US" altLang="ko-KR" dirty="0"/>
+              <a:t>1. </a:t>
+            </a:r>
+            <a:r>
+              <a:rPr lang="ko-KR" altLang="en-US" dirty="0"/>
+              <a:t>네트워크 프로그래밍</a:t>
+            </a:r>
+            <a:endParaRPr lang="en-US" altLang="ko-KR" dirty="0"/>
+          </a:p>
+        </p:txBody>
+      </p:sp>
+      <p:sp>
+        <p:nvSpPr>
+          <p:cNvPr id="7" name="TextBox 6"/>
+          <p:cNvSpPr txBox="1"/>
+          <p:nvPr/>
+        </p:nvSpPr>
+        <p:spPr>
+          <a:xfrm>
+            <a:off x="1141411" y="733245"/>
+            <a:ext cx="9902263" cy="4770537"/>
+          </a:xfrm>
+          <a:prstGeom prst="rect">
+            <a:avLst/>
+          </a:prstGeom>
+          <a:noFill/>
+          <a:ln>
+            <a:noFill/>
+          </a:ln>
+        </p:spPr>
+        <p:txBody>
+          <a:bodyPr wrap="square" rtlCol="0">
+            <a:spAutoFit/>
+          </a:bodyPr>
+          <a:lstStyle/>
+          <a:p>
+            <a:r>
+              <a:rPr lang="en-US" altLang="ko-KR" sz="1600" b="1" dirty="0">
+                <a:solidFill>
+                  <a:srgbClr val="00B0F0"/>
+                </a:solidFill>
+                <a:effectLst>
+                  <a:outerShdw blurRad="38100" dist="38100" dir="2700000" algn="tl">
+                    <a:srgbClr val="000000">
+                      <a:alpha val="43137"/>
+                    </a:srgbClr>
+                  </a:outerShdw>
+                </a:effectLst>
+                <a:latin typeface="Arial Black" pitchFamily="34" charset="0"/>
+                <a:sym typeface="Wingdings" panose="05000000000000000000" pitchFamily="2" charset="2"/>
+              </a:rPr>
+              <a:t>MSGTYPE</a:t>
+            </a:r>
+            <a:r>
+              <a:rPr lang="ko-KR" altLang="en-US" sz="1600" b="1" dirty="0">
+                <a:solidFill>
+                  <a:srgbClr val="00B0F0"/>
+                </a:solidFill>
+                <a:effectLst>
+                  <a:outerShdw blurRad="38100" dist="38100" dir="2700000" algn="tl">
+                    <a:srgbClr val="000000">
+                      <a:alpha val="43137"/>
+                    </a:srgbClr>
+                  </a:outerShdw>
+                </a:effectLst>
+                <a:latin typeface="Arial Black" pitchFamily="34" charset="0"/>
+                <a:sym typeface="Wingdings" panose="05000000000000000000" pitchFamily="2" charset="2"/>
+              </a:rPr>
+              <a:t>의 바디구조</a:t>
+            </a:r>
+            <a:endParaRPr lang="en-US" altLang="ko-KR" sz="1600" b="1" dirty="0">
+              <a:solidFill>
+                <a:srgbClr val="00B0F0"/>
+              </a:solidFill>
+              <a:effectLst>
+                <a:outerShdw blurRad="38100" dist="38100" dir="2700000" algn="tl">
+                  <a:srgbClr val="000000">
+                    <a:alpha val="43137"/>
+                  </a:srgbClr>
+                </a:outerShdw>
+              </a:effectLst>
+              <a:latin typeface="Arial Black" pitchFamily="34" charset="0"/>
+              <a:sym typeface="Wingdings" panose="05000000000000000000" pitchFamily="2" charset="2"/>
+            </a:endParaRPr>
+          </a:p>
+          <a:p>
+            <a:endParaRPr lang="en-US" altLang="ko-KR" sz="1600" b="1" dirty="0">
+              <a:solidFill>
+                <a:srgbClr val="00B0F0"/>
+              </a:solidFill>
+              <a:effectLst>
+                <a:outerShdw blurRad="38100" dist="38100" dir="2700000" algn="tl">
+                  <a:srgbClr val="000000">
+                    <a:alpha val="43137"/>
+                  </a:srgbClr>
+                </a:outerShdw>
+              </a:effectLst>
+              <a:latin typeface="Arial Black" pitchFamily="34" charset="0"/>
+              <a:sym typeface="Wingdings" panose="05000000000000000000" pitchFamily="2" charset="2"/>
+            </a:endParaRPr>
+          </a:p>
+          <a:p>
+            <a:r>
+              <a:rPr lang="ko-KR" altLang="en-US" sz="1600" b="1" dirty="0">
+                <a:effectLst>
+                  <a:outerShdw blurRad="38100" dist="38100" dir="2700000" algn="tl">
+                    <a:srgbClr val="000000">
+                      <a:alpha val="43137"/>
+                    </a:srgbClr>
+                  </a:outerShdw>
+                </a:effectLst>
+                <a:latin typeface="Arial Black" pitchFamily="34" charset="0"/>
+                <a:sym typeface="Wingdings" panose="05000000000000000000" pitchFamily="2" charset="2"/>
+              </a:rPr>
+              <a:t>파일 전송 요청</a:t>
+            </a:r>
+            <a:r>
+              <a:rPr lang="en-US" altLang="ko-KR" sz="1600" b="1" dirty="0">
+                <a:effectLst>
+                  <a:outerShdw blurRad="38100" dist="38100" dir="2700000" algn="tl">
+                    <a:srgbClr val="000000">
+                      <a:alpha val="43137"/>
+                    </a:srgbClr>
+                  </a:outerShdw>
+                </a:effectLst>
+                <a:latin typeface="Arial Black" pitchFamily="34" charset="0"/>
+                <a:sym typeface="Wingdings" panose="05000000000000000000" pitchFamily="2" charset="2"/>
+              </a:rPr>
+              <a:t>(0x01)</a:t>
+            </a:r>
+          </a:p>
+          <a:p>
+            <a:endParaRPr lang="en-US" altLang="ko-KR" sz="1600" b="1" dirty="0">
+              <a:solidFill>
+                <a:srgbClr val="00B0F0"/>
+              </a:solidFill>
+              <a:effectLst>
+                <a:outerShdw blurRad="38100" dist="38100" dir="2700000" algn="tl">
+                  <a:srgbClr val="000000">
+                    <a:alpha val="43137"/>
+                  </a:srgbClr>
+                </a:outerShdw>
+              </a:effectLst>
+              <a:latin typeface="Arial Black" pitchFamily="34" charset="0"/>
+              <a:sym typeface="Wingdings" panose="05000000000000000000" pitchFamily="2" charset="2"/>
+            </a:endParaRPr>
+          </a:p>
+          <a:p>
+            <a:endParaRPr lang="en-US" altLang="ko-KR" sz="1600" b="1" dirty="0">
+              <a:solidFill>
+                <a:srgbClr val="00B0F0"/>
+              </a:solidFill>
+              <a:effectLst>
+                <a:outerShdw blurRad="38100" dist="38100" dir="2700000" algn="tl">
+                  <a:srgbClr val="000000">
+                    <a:alpha val="43137"/>
+                  </a:srgbClr>
+                </a:outerShdw>
+              </a:effectLst>
+              <a:latin typeface="Arial Black" pitchFamily="34" charset="0"/>
+              <a:sym typeface="Wingdings" panose="05000000000000000000" pitchFamily="2" charset="2"/>
+            </a:endParaRPr>
+          </a:p>
+          <a:p>
+            <a:endParaRPr lang="en-US" altLang="ko-KR" sz="1600" b="1" dirty="0">
+              <a:solidFill>
+                <a:srgbClr val="00B0F0"/>
+              </a:solidFill>
+              <a:effectLst>
+                <a:outerShdw blurRad="38100" dist="38100" dir="2700000" algn="tl">
+                  <a:srgbClr val="000000">
+                    <a:alpha val="43137"/>
+                  </a:srgbClr>
+                </a:outerShdw>
+              </a:effectLst>
+              <a:latin typeface="Arial Black" pitchFamily="34" charset="0"/>
+              <a:sym typeface="Wingdings" panose="05000000000000000000" pitchFamily="2" charset="2"/>
+            </a:endParaRPr>
+          </a:p>
+          <a:p>
+            <a:endParaRPr lang="en-US" altLang="ko-KR" sz="1600" b="1" dirty="0">
+              <a:solidFill>
+                <a:srgbClr val="00B0F0"/>
+              </a:solidFill>
+              <a:effectLst>
+                <a:outerShdw blurRad="38100" dist="38100" dir="2700000" algn="tl">
+                  <a:srgbClr val="000000">
+                    <a:alpha val="43137"/>
+                  </a:srgbClr>
+                </a:outerShdw>
+              </a:effectLst>
+              <a:latin typeface="Arial Black" pitchFamily="34" charset="0"/>
+              <a:sym typeface="Wingdings" panose="05000000000000000000" pitchFamily="2" charset="2"/>
+            </a:endParaRPr>
+          </a:p>
+          <a:p>
+            <a:endParaRPr lang="en-US" altLang="ko-KR" sz="1600" b="1" dirty="0">
+              <a:solidFill>
+                <a:srgbClr val="00B0F0"/>
+              </a:solidFill>
+              <a:effectLst>
+                <a:outerShdw blurRad="38100" dist="38100" dir="2700000" algn="tl">
+                  <a:srgbClr val="000000">
+                    <a:alpha val="43137"/>
+                  </a:srgbClr>
+                </a:outerShdw>
+              </a:effectLst>
+              <a:latin typeface="Arial Black" pitchFamily="34" charset="0"/>
+              <a:sym typeface="Wingdings" panose="05000000000000000000" pitchFamily="2" charset="2"/>
+            </a:endParaRPr>
+          </a:p>
+          <a:p>
+            <a:endParaRPr lang="en-US" altLang="ko-KR" sz="1600" b="1" dirty="0">
+              <a:solidFill>
+                <a:srgbClr val="00B0F0"/>
+              </a:solidFill>
+              <a:effectLst>
+                <a:outerShdw blurRad="38100" dist="38100" dir="2700000" algn="tl">
+                  <a:srgbClr val="000000">
+                    <a:alpha val="43137"/>
+                  </a:srgbClr>
+                </a:outerShdw>
+              </a:effectLst>
+              <a:latin typeface="Arial Black" pitchFamily="34" charset="0"/>
+              <a:sym typeface="Wingdings" panose="05000000000000000000" pitchFamily="2" charset="2"/>
+            </a:endParaRPr>
+          </a:p>
+          <a:p>
+            <a:r>
+              <a:rPr lang="ko-KR" altLang="en-US" sz="1600" b="1" dirty="0">
+                <a:effectLst>
+                  <a:outerShdw blurRad="38100" dist="38100" dir="2700000" algn="tl">
+                    <a:srgbClr val="000000">
+                      <a:alpha val="43137"/>
+                    </a:srgbClr>
+                  </a:outerShdw>
+                </a:effectLst>
+                <a:latin typeface="Arial Black" pitchFamily="34" charset="0"/>
+                <a:sym typeface="Wingdings" panose="05000000000000000000" pitchFamily="2" charset="2"/>
+              </a:rPr>
+              <a:t>파일 전송 요청에 대한 응답</a:t>
+            </a:r>
+            <a:r>
+              <a:rPr lang="en-US" altLang="ko-KR" sz="1600" b="1" dirty="0">
+                <a:effectLst>
+                  <a:outerShdw blurRad="38100" dist="38100" dir="2700000" algn="tl">
+                    <a:srgbClr val="000000">
+                      <a:alpha val="43137"/>
+                    </a:srgbClr>
+                  </a:outerShdw>
+                </a:effectLst>
+                <a:latin typeface="Arial Black" pitchFamily="34" charset="0"/>
+                <a:sym typeface="Wingdings" panose="05000000000000000000" pitchFamily="2" charset="2"/>
+              </a:rPr>
+              <a:t>(0x02)</a:t>
+            </a:r>
+          </a:p>
+          <a:p>
+            <a:endParaRPr lang="en-US" altLang="ko-KR" sz="1600" b="1" dirty="0">
+              <a:effectLst>
+                <a:outerShdw blurRad="38100" dist="38100" dir="2700000" algn="tl">
+                  <a:srgbClr val="000000">
+                    <a:alpha val="43137"/>
+                  </a:srgbClr>
+                </a:outerShdw>
+              </a:effectLst>
+              <a:latin typeface="Arial Black" pitchFamily="34" charset="0"/>
+              <a:sym typeface="Wingdings" panose="05000000000000000000" pitchFamily="2" charset="2"/>
+            </a:endParaRPr>
+          </a:p>
+          <a:p>
+            <a:endParaRPr lang="en-US" altLang="ko-KR" sz="1600" b="1" dirty="0">
+              <a:effectLst>
+                <a:outerShdw blurRad="38100" dist="38100" dir="2700000" algn="tl">
+                  <a:srgbClr val="000000">
+                    <a:alpha val="43137"/>
+                  </a:srgbClr>
+                </a:outerShdw>
+              </a:effectLst>
+              <a:latin typeface="Arial Black" pitchFamily="34" charset="0"/>
+              <a:sym typeface="Wingdings" panose="05000000000000000000" pitchFamily="2" charset="2"/>
+            </a:endParaRPr>
+          </a:p>
+          <a:p>
+            <a:endParaRPr lang="en-US" altLang="ko-KR" sz="1600" b="1" dirty="0">
+              <a:effectLst>
+                <a:outerShdw blurRad="38100" dist="38100" dir="2700000" algn="tl">
+                  <a:srgbClr val="000000">
+                    <a:alpha val="43137"/>
+                  </a:srgbClr>
+                </a:outerShdw>
+              </a:effectLst>
+              <a:latin typeface="Arial Black" pitchFamily="34" charset="0"/>
+              <a:sym typeface="Wingdings" panose="05000000000000000000" pitchFamily="2" charset="2"/>
+            </a:endParaRPr>
+          </a:p>
+          <a:p>
+            <a:endParaRPr lang="en-US" altLang="ko-KR" sz="1600" b="1" dirty="0">
+              <a:effectLst>
+                <a:outerShdw blurRad="38100" dist="38100" dir="2700000" algn="tl">
+                  <a:srgbClr val="000000">
+                    <a:alpha val="43137"/>
+                  </a:srgbClr>
+                </a:outerShdw>
+              </a:effectLst>
+              <a:latin typeface="Arial Black" pitchFamily="34" charset="0"/>
+              <a:sym typeface="Wingdings" panose="05000000000000000000" pitchFamily="2" charset="2"/>
+            </a:endParaRPr>
+          </a:p>
+          <a:p>
+            <a:endParaRPr lang="en-US" altLang="ko-KR" sz="1600" b="1" dirty="0">
+              <a:effectLst>
+                <a:outerShdw blurRad="38100" dist="38100" dir="2700000" algn="tl">
+                  <a:srgbClr val="000000">
+                    <a:alpha val="43137"/>
+                  </a:srgbClr>
+                </a:outerShdw>
+              </a:effectLst>
+              <a:latin typeface="Arial Black" pitchFamily="34" charset="0"/>
+              <a:sym typeface="Wingdings" panose="05000000000000000000" pitchFamily="2" charset="2"/>
+            </a:endParaRPr>
+          </a:p>
+          <a:p>
+            <a:endParaRPr lang="en-US" altLang="ko-KR" sz="1600" b="1" dirty="0">
+              <a:effectLst>
+                <a:outerShdw blurRad="38100" dist="38100" dir="2700000" algn="tl">
+                  <a:srgbClr val="000000">
+                    <a:alpha val="43137"/>
+                  </a:srgbClr>
+                </a:outerShdw>
+              </a:effectLst>
+              <a:latin typeface="Arial Black" pitchFamily="34" charset="0"/>
+              <a:sym typeface="Wingdings" panose="05000000000000000000" pitchFamily="2" charset="2"/>
+            </a:endParaRPr>
+          </a:p>
+          <a:p>
+            <a:endParaRPr lang="en-US" altLang="ko-KR" sz="1600" b="1" dirty="0">
+              <a:effectLst>
+                <a:outerShdw blurRad="38100" dist="38100" dir="2700000" algn="tl">
+                  <a:srgbClr val="000000">
+                    <a:alpha val="43137"/>
+                  </a:srgbClr>
+                </a:outerShdw>
+              </a:effectLst>
+              <a:latin typeface="Arial Black" pitchFamily="34" charset="0"/>
+              <a:sym typeface="Wingdings" panose="05000000000000000000" pitchFamily="2" charset="2"/>
+            </a:endParaRPr>
+          </a:p>
+          <a:p>
+            <a:endParaRPr lang="en-US" altLang="ko-KR" sz="1600" b="1" dirty="0">
+              <a:effectLst>
+                <a:outerShdw blurRad="38100" dist="38100" dir="2700000" algn="tl">
+                  <a:srgbClr val="000000">
+                    <a:alpha val="43137"/>
+                  </a:srgbClr>
+                </a:outerShdw>
+              </a:effectLst>
+              <a:latin typeface="Arial Black" pitchFamily="34" charset="0"/>
+              <a:sym typeface="Wingdings" panose="05000000000000000000" pitchFamily="2" charset="2"/>
+            </a:endParaRPr>
+          </a:p>
+          <a:p>
+            <a:r>
+              <a:rPr lang="ko-KR" altLang="en-US" sz="1600" b="1" dirty="0">
+                <a:effectLst>
+                  <a:outerShdw blurRad="38100" dist="38100" dir="2700000" algn="tl">
+                    <a:srgbClr val="000000">
+                      <a:alpha val="43137"/>
+                    </a:srgbClr>
+                  </a:outerShdw>
+                </a:effectLst>
+                <a:latin typeface="Arial Black" pitchFamily="34" charset="0"/>
+                <a:sym typeface="Wingdings" panose="05000000000000000000" pitchFamily="2" charset="2"/>
+              </a:rPr>
+              <a:t>파일 전송 데이터</a:t>
+            </a:r>
+            <a:endParaRPr lang="en-US" altLang="ko-KR" sz="1600" b="1" dirty="0">
+              <a:effectLst>
+                <a:outerShdw blurRad="38100" dist="38100" dir="2700000" algn="tl">
+                  <a:srgbClr val="000000">
+                    <a:alpha val="43137"/>
+                  </a:srgbClr>
+                </a:outerShdw>
+              </a:effectLst>
+              <a:latin typeface="Arial Black" pitchFamily="34" charset="0"/>
+              <a:sym typeface="Wingdings" panose="05000000000000000000" pitchFamily="2" charset="2"/>
+            </a:endParaRPr>
+          </a:p>
+        </p:txBody>
+      </p:sp>
+      <p:graphicFrame>
+        <p:nvGraphicFramePr>
+          <p:cNvPr id="2" name="표 2">
+            <a:extLst>
+              <a:ext uri="{FF2B5EF4-FFF2-40B4-BE49-F238E27FC236}">
+                <a16:creationId xmlns:a16="http://schemas.microsoft.com/office/drawing/2014/main" id="{306D106A-88FA-44B8-AB58-A764CE7DFA5A}"/>
+              </a:ext>
+            </a:extLst>
+          </p:cNvPr>
+          <p:cNvGraphicFramePr>
+            <a:graphicFrameLocks noGrp="1"/>
+          </p:cNvGraphicFramePr>
+          <p:nvPr>
+            <p:extLst>
+              <p:ext uri="{D42A27DB-BD31-4B8C-83A1-F6EECF244321}">
+                <p14:modId xmlns:p14="http://schemas.microsoft.com/office/powerpoint/2010/main" val="3170313851"/>
+              </p:ext>
+            </p:extLst>
+          </p:nvPr>
+        </p:nvGraphicFramePr>
+        <p:xfrm>
+          <a:off x="1141412" y="1655273"/>
+          <a:ext cx="9902263" cy="1112520"/>
+        </p:xfrm>
+        <a:graphic>
+          <a:graphicData uri="http://schemas.openxmlformats.org/drawingml/2006/table">
+            <a:tbl>
+              <a:tblPr firstRow="1" bandRow="1">
+                <a:tableStyleId>{5C22544A-7EE6-4342-B048-85BDC9FD1C3A}</a:tableStyleId>
+              </a:tblPr>
+              <a:tblGrid>
+                <a:gridCol w="1381032">
+                  <a:extLst>
+                    <a:ext uri="{9D8B030D-6E8A-4147-A177-3AD203B41FA5}">
+                      <a16:colId xmlns:a16="http://schemas.microsoft.com/office/drawing/2014/main" val="1052610414"/>
+                    </a:ext>
+                  </a:extLst>
+                </a:gridCol>
+                <a:gridCol w="3406500">
+                  <a:extLst>
+                    <a:ext uri="{9D8B030D-6E8A-4147-A177-3AD203B41FA5}">
+                      <a16:colId xmlns:a16="http://schemas.microsoft.com/office/drawing/2014/main" val="3019081623"/>
+                    </a:ext>
+                  </a:extLst>
+                </a:gridCol>
+                <a:gridCol w="5114731">
+                  <a:extLst>
+                    <a:ext uri="{9D8B030D-6E8A-4147-A177-3AD203B41FA5}">
+                      <a16:colId xmlns:a16="http://schemas.microsoft.com/office/drawing/2014/main" val="3622543672"/>
+                    </a:ext>
+                  </a:extLst>
+                </a:gridCol>
+              </a:tblGrid>
+              <a:tr h="370840">
+                <a:tc>
+                  <a:txBody>
+                    <a:bodyPr/>
+                    <a:lstStyle/>
+                    <a:p>
+                      <a:pPr latinLnBrk="1"/>
+                      <a:r>
+                        <a:rPr lang="ko-KR" altLang="en-US" dirty="0"/>
+                        <a:t>필드이름</a:t>
+                      </a:r>
+                    </a:p>
+                  </a:txBody>
+                  <a:tcPr/>
+                </a:tc>
+                <a:tc>
+                  <a:txBody>
+                    <a:bodyPr/>
+                    <a:lstStyle/>
+                    <a:p>
+                      <a:pPr latinLnBrk="1"/>
+                      <a:r>
+                        <a:rPr lang="ko-KR" altLang="en-US" dirty="0"/>
+                        <a:t>크기</a:t>
+                      </a:r>
+                      <a:r>
+                        <a:rPr lang="en-US" altLang="ko-KR" dirty="0"/>
+                        <a:t>(</a:t>
+                      </a:r>
+                      <a:r>
+                        <a:rPr lang="ko-KR" altLang="en-US" dirty="0"/>
+                        <a:t>바이트</a:t>
+                      </a:r>
+                      <a:r>
+                        <a:rPr lang="en-US" altLang="ko-KR" dirty="0"/>
+                        <a:t>)</a:t>
+                      </a:r>
+                      <a:endParaRPr lang="ko-KR" altLang="en-US" dirty="0"/>
+                    </a:p>
+                  </a:txBody>
+                  <a:tcPr/>
+                </a:tc>
+                <a:tc>
+                  <a:txBody>
+                    <a:bodyPr/>
+                    <a:lstStyle/>
+                    <a:p>
+                      <a:pPr latinLnBrk="1"/>
+                      <a:r>
+                        <a:rPr lang="ko-KR" altLang="en-US" dirty="0"/>
+                        <a:t>설명</a:t>
+                      </a:r>
+                    </a:p>
+                  </a:txBody>
+                  <a:tcPr/>
+                </a:tc>
+                <a:extLst>
+                  <a:ext uri="{0D108BD9-81ED-4DB2-BD59-A6C34878D82A}">
+                    <a16:rowId xmlns:a16="http://schemas.microsoft.com/office/drawing/2014/main" val="4281553672"/>
+                  </a:ext>
+                </a:extLst>
+              </a:tr>
+              <a:tr h="370840">
+                <a:tc>
+                  <a:txBody>
+                    <a:bodyPr/>
+                    <a:lstStyle/>
+                    <a:p>
+                      <a:pPr latinLnBrk="1"/>
+                      <a:r>
+                        <a:rPr lang="en-US" altLang="ko-KR" sz="1600" dirty="0">
+                          <a:latin typeface="Arial Black" panose="020B0A04020102020204" pitchFamily="34" charset="0"/>
+                        </a:rPr>
+                        <a:t>FILESIZE</a:t>
+                      </a:r>
+                      <a:endParaRPr lang="ko-KR" altLang="en-US" sz="1600" dirty="0">
+                        <a:latin typeface="Arial Black" panose="020B0A04020102020204" pitchFamily="34" charset="0"/>
+                      </a:endParaRPr>
+                    </a:p>
+                  </a:txBody>
+                  <a:tcPr/>
+                </a:tc>
+                <a:tc>
+                  <a:txBody>
+                    <a:bodyPr/>
+                    <a:lstStyle/>
+                    <a:p>
+                      <a:pPr latinLnBrk="1"/>
+                      <a:r>
+                        <a:rPr lang="en-US" altLang="ko-KR" sz="1600" dirty="0">
+                          <a:latin typeface="Arial Black" panose="020B0A04020102020204" pitchFamily="34" charset="0"/>
+                        </a:rPr>
+                        <a:t>8</a:t>
+                      </a:r>
+                      <a:endParaRPr lang="ko-KR" altLang="en-US" sz="1600" dirty="0">
+                        <a:latin typeface="Arial Black" panose="020B0A04020102020204" pitchFamily="34" charset="0"/>
+                      </a:endParaRPr>
+                    </a:p>
+                  </a:txBody>
+                  <a:tcPr/>
+                </a:tc>
+                <a:tc>
+                  <a:txBody>
+                    <a:bodyPr/>
+                    <a:lstStyle/>
+                    <a:p>
+                      <a:pPr latinLnBrk="1"/>
+                      <a:r>
+                        <a:rPr lang="ko-KR" altLang="en-US" sz="1600" dirty="0">
+                          <a:latin typeface="Arial Black" panose="020B0A04020102020204" pitchFamily="34" charset="0"/>
+                        </a:rPr>
+                        <a:t>전송할 파일 크기</a:t>
+                      </a:r>
+                      <a:r>
+                        <a:rPr lang="en-US" altLang="ko-KR" sz="1600" dirty="0">
+                          <a:latin typeface="Arial Black" panose="020B0A04020102020204" pitchFamily="34" charset="0"/>
+                        </a:rPr>
+                        <a:t>(</a:t>
+                      </a:r>
+                      <a:r>
+                        <a:rPr lang="ko-KR" altLang="en-US" sz="1600" dirty="0">
+                          <a:latin typeface="Arial Black" panose="020B0A04020102020204" pitchFamily="34" charset="0"/>
+                        </a:rPr>
+                        <a:t>단위 </a:t>
+                      </a:r>
+                      <a:r>
+                        <a:rPr lang="en-US" altLang="ko-KR" sz="1600" dirty="0">
+                          <a:latin typeface="Arial Black" panose="020B0A04020102020204" pitchFamily="34" charset="0"/>
+                        </a:rPr>
+                        <a:t>: </a:t>
+                      </a:r>
+                      <a:r>
+                        <a:rPr lang="ko-KR" altLang="en-US" sz="1600" dirty="0">
+                          <a:latin typeface="Arial Black" panose="020B0A04020102020204" pitchFamily="34" charset="0"/>
+                        </a:rPr>
+                        <a:t>바이트</a:t>
+                      </a:r>
+                      <a:r>
+                        <a:rPr lang="en-US" altLang="ko-KR" sz="1600" dirty="0">
+                          <a:latin typeface="Arial Black" panose="020B0A04020102020204" pitchFamily="34" charset="0"/>
+                        </a:rPr>
+                        <a:t>)</a:t>
+                      </a:r>
+                      <a:endParaRPr lang="ko-KR" altLang="en-US" sz="1600" dirty="0">
+                        <a:latin typeface="Arial Black" panose="020B0A04020102020204" pitchFamily="34" charset="0"/>
+                      </a:endParaRPr>
+                    </a:p>
+                  </a:txBody>
+                  <a:tcPr/>
+                </a:tc>
+                <a:extLst>
+                  <a:ext uri="{0D108BD9-81ED-4DB2-BD59-A6C34878D82A}">
+                    <a16:rowId xmlns:a16="http://schemas.microsoft.com/office/drawing/2014/main" val="2765211341"/>
+                  </a:ext>
+                </a:extLst>
+              </a:tr>
+              <a:tr h="370840">
+                <a:tc>
+                  <a:txBody>
+                    <a:bodyPr/>
+                    <a:lstStyle/>
+                    <a:p>
+                      <a:pPr latinLnBrk="1"/>
+                      <a:r>
+                        <a:rPr lang="en-US" altLang="ko-KR" sz="1600" dirty="0">
+                          <a:latin typeface="Arial Black" panose="020B0A04020102020204" pitchFamily="34" charset="0"/>
+                        </a:rPr>
+                        <a:t>FILENAME</a:t>
+                      </a:r>
+                      <a:endParaRPr lang="ko-KR" altLang="en-US" sz="1600" dirty="0">
+                        <a:latin typeface="Arial Black" panose="020B0A04020102020204" pitchFamily="34" charset="0"/>
+                      </a:endParaRPr>
+                    </a:p>
+                  </a:txBody>
+                  <a:tcPr/>
+                </a:tc>
+                <a:tc>
+                  <a:txBody>
+                    <a:bodyPr/>
+                    <a:lstStyle/>
+                    <a:p>
+                      <a:pPr latinLnBrk="1"/>
+                      <a:r>
+                        <a:rPr lang="en-US" altLang="ko-KR" sz="1600" dirty="0">
+                          <a:latin typeface="Arial Black" panose="020B0A04020102020204" pitchFamily="34" charset="0"/>
+                        </a:rPr>
+                        <a:t>BODYLEN – FILESIZE(8 byte)</a:t>
+                      </a:r>
+                      <a:endParaRPr lang="ko-KR" altLang="en-US" sz="1600" dirty="0">
+                        <a:latin typeface="Arial Black" panose="020B0A04020102020204" pitchFamily="34" charset="0"/>
+                      </a:endParaRPr>
+                    </a:p>
+                  </a:txBody>
+                  <a:tcPr/>
+                </a:tc>
+                <a:tc>
+                  <a:txBody>
+                    <a:bodyPr/>
+                    <a:lstStyle/>
+                    <a:p>
+                      <a:pPr latinLnBrk="1"/>
+                      <a:r>
+                        <a:rPr lang="ko-KR" altLang="en-US" sz="1600" dirty="0">
+                          <a:latin typeface="Arial Black" panose="020B0A04020102020204" pitchFamily="34" charset="0"/>
+                        </a:rPr>
+                        <a:t>전송할 파일의 이름</a:t>
+                      </a:r>
+                    </a:p>
+                  </a:txBody>
+                  <a:tcPr/>
+                </a:tc>
+                <a:extLst>
+                  <a:ext uri="{0D108BD9-81ED-4DB2-BD59-A6C34878D82A}">
+                    <a16:rowId xmlns:a16="http://schemas.microsoft.com/office/drawing/2014/main" val="2561494659"/>
+                  </a:ext>
+                </a:extLst>
+              </a:tr>
+            </a:tbl>
+          </a:graphicData>
+        </a:graphic>
+      </p:graphicFrame>
+      <p:graphicFrame>
+        <p:nvGraphicFramePr>
+          <p:cNvPr id="6" name="표 2">
+            <a:extLst>
+              <a:ext uri="{FF2B5EF4-FFF2-40B4-BE49-F238E27FC236}">
+                <a16:creationId xmlns:a16="http://schemas.microsoft.com/office/drawing/2014/main" id="{98D35F81-D9A4-4398-8CBF-6EC81D2F292B}"/>
+              </a:ext>
+            </a:extLst>
+          </p:cNvPr>
+          <p:cNvGraphicFramePr>
+            <a:graphicFrameLocks noGrp="1"/>
+          </p:cNvGraphicFramePr>
+          <p:nvPr>
+            <p:extLst>
+              <p:ext uri="{D42A27DB-BD31-4B8C-83A1-F6EECF244321}">
+                <p14:modId xmlns:p14="http://schemas.microsoft.com/office/powerpoint/2010/main" val="67964059"/>
+              </p:ext>
+            </p:extLst>
+          </p:nvPr>
+        </p:nvGraphicFramePr>
+        <p:xfrm>
+          <a:off x="1141412" y="3409406"/>
+          <a:ext cx="9902263" cy="1564640"/>
+        </p:xfrm>
+        <a:graphic>
+          <a:graphicData uri="http://schemas.openxmlformats.org/drawingml/2006/table">
+            <a:tbl>
+              <a:tblPr firstRow="1" bandRow="1">
+                <a:tableStyleId>{5C22544A-7EE6-4342-B048-85BDC9FD1C3A}</a:tableStyleId>
+              </a:tblPr>
+              <a:tblGrid>
+                <a:gridCol w="1514702">
+                  <a:extLst>
+                    <a:ext uri="{9D8B030D-6E8A-4147-A177-3AD203B41FA5}">
+                      <a16:colId xmlns:a16="http://schemas.microsoft.com/office/drawing/2014/main" val="1052610414"/>
+                    </a:ext>
+                  </a:extLst>
+                </a:gridCol>
+                <a:gridCol w="3272830">
+                  <a:extLst>
+                    <a:ext uri="{9D8B030D-6E8A-4147-A177-3AD203B41FA5}">
+                      <a16:colId xmlns:a16="http://schemas.microsoft.com/office/drawing/2014/main" val="3019081623"/>
+                    </a:ext>
+                  </a:extLst>
+                </a:gridCol>
+                <a:gridCol w="5114731">
+                  <a:extLst>
+                    <a:ext uri="{9D8B030D-6E8A-4147-A177-3AD203B41FA5}">
+                      <a16:colId xmlns:a16="http://schemas.microsoft.com/office/drawing/2014/main" val="3622543672"/>
+                    </a:ext>
+                  </a:extLst>
+                </a:gridCol>
+              </a:tblGrid>
+              <a:tr h="370840">
+                <a:tc>
+                  <a:txBody>
+                    <a:bodyPr/>
+                    <a:lstStyle/>
+                    <a:p>
+                      <a:pPr latinLnBrk="1"/>
+                      <a:r>
+                        <a:rPr lang="ko-KR" altLang="en-US" dirty="0"/>
+                        <a:t>필드이름</a:t>
+                      </a:r>
+                    </a:p>
+                  </a:txBody>
+                  <a:tcPr/>
+                </a:tc>
+                <a:tc>
+                  <a:txBody>
+                    <a:bodyPr/>
+                    <a:lstStyle/>
+                    <a:p>
+                      <a:pPr latinLnBrk="1"/>
+                      <a:r>
+                        <a:rPr lang="ko-KR" altLang="en-US" dirty="0"/>
+                        <a:t>크기</a:t>
+                      </a:r>
+                      <a:r>
+                        <a:rPr lang="en-US" altLang="ko-KR" dirty="0"/>
+                        <a:t>(</a:t>
+                      </a:r>
+                      <a:r>
+                        <a:rPr lang="ko-KR" altLang="en-US" dirty="0"/>
+                        <a:t>바이트</a:t>
+                      </a:r>
+                      <a:r>
+                        <a:rPr lang="en-US" altLang="ko-KR" dirty="0"/>
+                        <a:t>)</a:t>
+                      </a:r>
+                      <a:endParaRPr lang="ko-KR" altLang="en-US" dirty="0"/>
+                    </a:p>
+                  </a:txBody>
+                  <a:tcPr/>
+                </a:tc>
+                <a:tc>
+                  <a:txBody>
+                    <a:bodyPr/>
+                    <a:lstStyle/>
+                    <a:p>
+                      <a:pPr latinLnBrk="1"/>
+                      <a:r>
+                        <a:rPr lang="ko-KR" altLang="en-US" dirty="0"/>
+                        <a:t>설명</a:t>
+                      </a:r>
+                    </a:p>
+                  </a:txBody>
+                  <a:tcPr/>
+                </a:tc>
+                <a:extLst>
+                  <a:ext uri="{0D108BD9-81ED-4DB2-BD59-A6C34878D82A}">
+                    <a16:rowId xmlns:a16="http://schemas.microsoft.com/office/drawing/2014/main" val="4281553672"/>
+                  </a:ext>
+                </a:extLst>
+              </a:tr>
+              <a:tr h="370840">
+                <a:tc>
+                  <a:txBody>
+                    <a:bodyPr/>
+                    <a:lstStyle/>
+                    <a:p>
+                      <a:pPr latinLnBrk="1"/>
+                      <a:r>
+                        <a:rPr lang="en-US" altLang="ko-KR" sz="1600" dirty="0">
+                          <a:latin typeface="Arial Black" panose="020B0A04020102020204" pitchFamily="34" charset="0"/>
+                        </a:rPr>
+                        <a:t>MSGID</a:t>
+                      </a:r>
+                      <a:endParaRPr lang="ko-KR" altLang="en-US" sz="1600" dirty="0">
+                        <a:latin typeface="Arial Black" panose="020B0A04020102020204" pitchFamily="34" charset="0"/>
+                      </a:endParaRPr>
+                    </a:p>
+                  </a:txBody>
+                  <a:tcPr/>
+                </a:tc>
+                <a:tc>
+                  <a:txBody>
+                    <a:bodyPr/>
+                    <a:lstStyle/>
+                    <a:p>
+                      <a:pPr latinLnBrk="1"/>
+                      <a:r>
+                        <a:rPr lang="en-US" altLang="ko-KR" sz="1600" dirty="0">
+                          <a:latin typeface="Arial Black" panose="020B0A04020102020204" pitchFamily="34" charset="0"/>
+                        </a:rPr>
+                        <a:t>4</a:t>
+                      </a:r>
+                      <a:endParaRPr lang="ko-KR" altLang="en-US" sz="1600" dirty="0">
+                        <a:latin typeface="Arial Black" panose="020B0A04020102020204" pitchFamily="34" charset="0"/>
+                      </a:endParaRPr>
+                    </a:p>
+                  </a:txBody>
+                  <a:tcPr/>
+                </a:tc>
+                <a:tc>
+                  <a:txBody>
+                    <a:bodyPr/>
+                    <a:lstStyle/>
+                    <a:p>
+                      <a:pPr latinLnBrk="1"/>
+                      <a:r>
+                        <a:rPr lang="ko-KR" altLang="en-US" sz="1600" dirty="0">
+                          <a:latin typeface="Arial Black" panose="020B0A04020102020204" pitchFamily="34" charset="0"/>
+                        </a:rPr>
+                        <a:t>파일 전송 요청 메시지</a:t>
+                      </a:r>
+                      <a:r>
+                        <a:rPr lang="en-US" altLang="ko-KR" sz="1600" dirty="0">
+                          <a:latin typeface="Arial Black" panose="020B0A04020102020204" pitchFamily="34" charset="0"/>
+                        </a:rPr>
+                        <a:t>(0x01)</a:t>
+                      </a:r>
+                      <a:r>
+                        <a:rPr lang="ko-KR" altLang="en-US" sz="1600" dirty="0">
+                          <a:latin typeface="Arial Black" panose="020B0A04020102020204" pitchFamily="34" charset="0"/>
+                        </a:rPr>
+                        <a:t>의 메시지 식별 번호</a:t>
+                      </a:r>
+                    </a:p>
+                  </a:txBody>
+                  <a:tcPr/>
+                </a:tc>
+                <a:extLst>
+                  <a:ext uri="{0D108BD9-81ED-4DB2-BD59-A6C34878D82A}">
+                    <a16:rowId xmlns:a16="http://schemas.microsoft.com/office/drawing/2014/main" val="2765211341"/>
+                  </a:ext>
+                </a:extLst>
+              </a:tr>
+              <a:tr h="370840">
+                <a:tc>
+                  <a:txBody>
+                    <a:bodyPr/>
+                    <a:lstStyle/>
+                    <a:p>
+                      <a:pPr latinLnBrk="1"/>
+                      <a:r>
+                        <a:rPr lang="en-US" altLang="ko-KR" sz="1600" dirty="0">
+                          <a:latin typeface="Arial Black" panose="020B0A04020102020204" pitchFamily="34" charset="0"/>
+                        </a:rPr>
+                        <a:t>RESPONSE</a:t>
+                      </a:r>
+                      <a:endParaRPr lang="ko-KR" altLang="en-US" sz="1600" dirty="0">
+                        <a:latin typeface="Arial Black" panose="020B0A04020102020204" pitchFamily="34" charset="0"/>
+                      </a:endParaRPr>
+                    </a:p>
+                  </a:txBody>
+                  <a:tcPr/>
+                </a:tc>
+                <a:tc>
+                  <a:txBody>
+                    <a:bodyPr/>
+                    <a:lstStyle/>
+                    <a:p>
+                      <a:pPr latinLnBrk="1"/>
+                      <a:r>
+                        <a:rPr lang="en-US" altLang="ko-KR" sz="1600" dirty="0">
+                          <a:latin typeface="Arial Black" panose="020B0A04020102020204" pitchFamily="34" charset="0"/>
+                        </a:rPr>
+                        <a:t>1</a:t>
+                      </a:r>
+                      <a:endParaRPr lang="ko-KR" altLang="en-US" sz="1600" dirty="0">
+                        <a:latin typeface="Arial Black" panose="020B0A04020102020204" pitchFamily="34" charset="0"/>
+                      </a:endParaRPr>
+                    </a:p>
+                  </a:txBody>
+                  <a:tcPr/>
+                </a:tc>
+                <a:tc>
+                  <a:txBody>
+                    <a:bodyPr/>
+                    <a:lstStyle/>
+                    <a:p>
+                      <a:pPr latinLnBrk="1"/>
+                      <a:r>
+                        <a:rPr lang="ko-KR" altLang="en-US" sz="1600" dirty="0">
+                          <a:latin typeface="Arial Black" panose="020B0A04020102020204" pitchFamily="34" charset="0"/>
+                        </a:rPr>
+                        <a:t>파일 전송 승인 거부</a:t>
+                      </a:r>
+                      <a:endParaRPr lang="en-US" altLang="ko-KR" sz="1600" dirty="0">
+                        <a:latin typeface="Arial Black" panose="020B0A04020102020204" pitchFamily="34" charset="0"/>
+                      </a:endParaRPr>
+                    </a:p>
+                    <a:p>
+                      <a:pPr marL="285750" indent="-285750" latinLnBrk="1">
+                        <a:buFont typeface="Arial" panose="020B0604020202020204" pitchFamily="34" charset="0"/>
+                        <a:buChar char="•"/>
+                      </a:pPr>
+                      <a:r>
+                        <a:rPr lang="ko-KR" altLang="en-US" sz="1600" dirty="0">
+                          <a:latin typeface="Arial Black" panose="020B0A04020102020204" pitchFamily="34" charset="0"/>
+                        </a:rPr>
+                        <a:t>거절</a:t>
+                      </a:r>
+                      <a:r>
+                        <a:rPr lang="en-US" altLang="ko-KR" sz="1600" dirty="0">
+                          <a:latin typeface="Arial Black" panose="020B0A04020102020204" pitchFamily="34" charset="0"/>
+                        </a:rPr>
+                        <a:t> 0x0</a:t>
+                      </a:r>
+                    </a:p>
+                    <a:p>
+                      <a:pPr marL="285750" indent="-285750" latinLnBrk="1">
+                        <a:buFont typeface="Arial" panose="020B0604020202020204" pitchFamily="34" charset="0"/>
+                        <a:buChar char="•"/>
+                      </a:pPr>
+                      <a:r>
+                        <a:rPr lang="ko-KR" altLang="en-US" sz="1600" dirty="0">
+                          <a:latin typeface="Arial Black" panose="020B0A04020102020204" pitchFamily="34" charset="0"/>
+                        </a:rPr>
+                        <a:t>승인 </a:t>
+                      </a:r>
+                      <a:r>
+                        <a:rPr lang="en-US" altLang="ko-KR" sz="1600" dirty="0">
+                          <a:latin typeface="Arial Black" panose="020B0A04020102020204" pitchFamily="34" charset="0"/>
+                        </a:rPr>
+                        <a:t>0x1</a:t>
+                      </a:r>
+                      <a:endParaRPr lang="ko-KR" altLang="en-US" sz="1600" dirty="0">
+                        <a:latin typeface="Arial Black" panose="020B0A04020102020204" pitchFamily="34" charset="0"/>
+                      </a:endParaRPr>
+                    </a:p>
+                  </a:txBody>
+                  <a:tcPr/>
+                </a:tc>
+                <a:extLst>
+                  <a:ext uri="{0D108BD9-81ED-4DB2-BD59-A6C34878D82A}">
+                    <a16:rowId xmlns:a16="http://schemas.microsoft.com/office/drawing/2014/main" val="2561494659"/>
+                  </a:ext>
+                </a:extLst>
+              </a:tr>
+            </a:tbl>
+          </a:graphicData>
+        </a:graphic>
+      </p:graphicFrame>
+      <p:graphicFrame>
+        <p:nvGraphicFramePr>
+          <p:cNvPr id="9" name="표 2">
+            <a:extLst>
+              <a:ext uri="{FF2B5EF4-FFF2-40B4-BE49-F238E27FC236}">
+                <a16:creationId xmlns:a16="http://schemas.microsoft.com/office/drawing/2014/main" id="{7F56EC10-8404-4C8D-AE4A-389A09CDF34D}"/>
+              </a:ext>
+            </a:extLst>
+          </p:cNvPr>
+          <p:cNvGraphicFramePr>
+            <a:graphicFrameLocks noGrp="1"/>
+          </p:cNvGraphicFramePr>
+          <p:nvPr>
+            <p:extLst>
+              <p:ext uri="{D42A27DB-BD31-4B8C-83A1-F6EECF244321}">
+                <p14:modId xmlns:p14="http://schemas.microsoft.com/office/powerpoint/2010/main" val="582200241"/>
+              </p:ext>
+            </p:extLst>
+          </p:nvPr>
+        </p:nvGraphicFramePr>
+        <p:xfrm>
+          <a:off x="1141412" y="5521844"/>
+          <a:ext cx="9902263" cy="748327"/>
+        </p:xfrm>
+        <a:graphic>
+          <a:graphicData uri="http://schemas.openxmlformats.org/drawingml/2006/table">
+            <a:tbl>
+              <a:tblPr firstRow="1" bandRow="1">
+                <a:tableStyleId>{5C22544A-7EE6-4342-B048-85BDC9FD1C3A}</a:tableStyleId>
+              </a:tblPr>
+              <a:tblGrid>
+                <a:gridCol w="1381032">
+                  <a:extLst>
+                    <a:ext uri="{9D8B030D-6E8A-4147-A177-3AD203B41FA5}">
+                      <a16:colId xmlns:a16="http://schemas.microsoft.com/office/drawing/2014/main" val="1052610414"/>
+                    </a:ext>
+                  </a:extLst>
+                </a:gridCol>
+                <a:gridCol w="3406500">
+                  <a:extLst>
+                    <a:ext uri="{9D8B030D-6E8A-4147-A177-3AD203B41FA5}">
+                      <a16:colId xmlns:a16="http://schemas.microsoft.com/office/drawing/2014/main" val="3019081623"/>
+                    </a:ext>
+                  </a:extLst>
+                </a:gridCol>
+                <a:gridCol w="5114731">
+                  <a:extLst>
+                    <a:ext uri="{9D8B030D-6E8A-4147-A177-3AD203B41FA5}">
+                      <a16:colId xmlns:a16="http://schemas.microsoft.com/office/drawing/2014/main" val="3622543672"/>
+                    </a:ext>
+                  </a:extLst>
+                </a:gridCol>
+              </a:tblGrid>
+              <a:tr h="370840">
+                <a:tc>
+                  <a:txBody>
+                    <a:bodyPr/>
+                    <a:lstStyle/>
+                    <a:p>
+                      <a:pPr latinLnBrk="1"/>
+                      <a:r>
+                        <a:rPr lang="ko-KR" altLang="en-US" dirty="0"/>
+                        <a:t>필드이름</a:t>
+                      </a:r>
+                    </a:p>
+                  </a:txBody>
+                  <a:tcPr/>
+                </a:tc>
+                <a:tc>
+                  <a:txBody>
+                    <a:bodyPr/>
+                    <a:lstStyle/>
+                    <a:p>
+                      <a:pPr latinLnBrk="1"/>
+                      <a:r>
+                        <a:rPr lang="ko-KR" altLang="en-US" dirty="0"/>
+                        <a:t>크기</a:t>
+                      </a:r>
+                      <a:r>
+                        <a:rPr lang="en-US" altLang="ko-KR" dirty="0"/>
+                        <a:t>(</a:t>
+                      </a:r>
+                      <a:r>
+                        <a:rPr lang="ko-KR" altLang="en-US" dirty="0"/>
+                        <a:t>바이트</a:t>
+                      </a:r>
+                      <a:r>
+                        <a:rPr lang="en-US" altLang="ko-KR" dirty="0"/>
+                        <a:t>)</a:t>
+                      </a:r>
+                      <a:endParaRPr lang="ko-KR" altLang="en-US" dirty="0"/>
+                    </a:p>
+                  </a:txBody>
+                  <a:tcPr/>
+                </a:tc>
+                <a:tc>
+                  <a:txBody>
+                    <a:bodyPr/>
+                    <a:lstStyle/>
+                    <a:p>
+                      <a:pPr latinLnBrk="1"/>
+                      <a:r>
+                        <a:rPr lang="ko-KR" altLang="en-US" dirty="0"/>
+                        <a:t>설명</a:t>
+                      </a:r>
+                    </a:p>
+                  </a:txBody>
+                  <a:tcPr/>
+                </a:tc>
+                <a:extLst>
+                  <a:ext uri="{0D108BD9-81ED-4DB2-BD59-A6C34878D82A}">
+                    <a16:rowId xmlns:a16="http://schemas.microsoft.com/office/drawing/2014/main" val="4281553672"/>
+                  </a:ext>
+                </a:extLst>
+              </a:tr>
+              <a:tr h="377487">
+                <a:tc>
+                  <a:txBody>
+                    <a:bodyPr/>
+                    <a:lstStyle/>
+                    <a:p>
+                      <a:pPr latinLnBrk="1"/>
+                      <a:r>
+                        <a:rPr lang="en-US" altLang="ko-KR" sz="1600" dirty="0">
+                          <a:latin typeface="Arial Black" panose="020B0A04020102020204" pitchFamily="34" charset="0"/>
+                        </a:rPr>
+                        <a:t>DATA</a:t>
+                      </a:r>
+                      <a:endParaRPr lang="ko-KR" altLang="en-US" sz="1600" dirty="0">
+                        <a:latin typeface="Arial Black" panose="020B0A04020102020204" pitchFamily="34" charset="0"/>
+                      </a:endParaRPr>
+                    </a:p>
+                  </a:txBody>
+                  <a:tcPr/>
+                </a:tc>
+                <a:tc>
+                  <a:txBody>
+                    <a:bodyPr/>
+                    <a:lstStyle/>
+                    <a:p>
+                      <a:pPr latinLnBrk="1"/>
+                      <a:r>
+                        <a:rPr lang="ko-KR" altLang="en-US" sz="1600" dirty="0">
+                          <a:latin typeface="Arial Black" panose="020B0A04020102020204" pitchFamily="34" charset="0"/>
+                        </a:rPr>
+                        <a:t>헤더의 </a:t>
+                      </a:r>
+                      <a:r>
+                        <a:rPr lang="en-US" altLang="ko-KR" sz="1600" dirty="0">
+                          <a:latin typeface="Arial Black" panose="020B0A04020102020204" pitchFamily="34" charset="0"/>
+                        </a:rPr>
+                        <a:t>BODYLEN</a:t>
+                      </a:r>
+                      <a:endParaRPr lang="ko-KR" altLang="en-US" sz="1600" dirty="0">
+                        <a:latin typeface="Arial Black" panose="020B0A04020102020204" pitchFamily="34" charset="0"/>
+                      </a:endParaRPr>
+                    </a:p>
+                  </a:txBody>
+                  <a:tcPr/>
+                </a:tc>
+                <a:tc>
+                  <a:txBody>
+                    <a:bodyPr/>
+                    <a:lstStyle/>
+                    <a:p>
+                      <a:pPr latinLnBrk="1"/>
+                      <a:r>
+                        <a:rPr lang="ko-KR" altLang="en-US" sz="1600" dirty="0">
+                          <a:latin typeface="Arial Black" panose="020B0A04020102020204" pitchFamily="34" charset="0"/>
+                        </a:rPr>
+                        <a:t>파일 내영</a:t>
+                      </a:r>
+                    </a:p>
+                  </a:txBody>
+                  <a:tcPr/>
+                </a:tc>
+                <a:extLst>
+                  <a:ext uri="{0D108BD9-81ED-4DB2-BD59-A6C34878D82A}">
+                    <a16:rowId xmlns:a16="http://schemas.microsoft.com/office/drawing/2014/main" val="2765211341"/>
+                  </a:ext>
+                </a:extLst>
+              </a:tr>
+            </a:tbl>
+          </a:graphicData>
+        </a:graphic>
+      </p:graphicFrame>
+    </p:spTree>
+    <p:extLst>
+      <p:ext uri="{BB962C8B-B14F-4D97-AF65-F5344CB8AC3E}">
+        <p14:creationId xmlns:p14="http://schemas.microsoft.com/office/powerpoint/2010/main" val="1837016807"/>
+      </p:ext>
+    </p:extLst>
+  </p:cSld>
+  <p:clrMapOvr>
+    <a:masterClrMapping/>
+  </p:clrMapOvr>
+</p:sld>
+</file>
+
+<file path=ppt/slides/slide18.xml><?xml version="1.0" encoding="utf-8"?>
+<p:sld xmlns:a="http://schemas.openxmlformats.org/drawingml/2006/main" xmlns:r="http://schemas.openxmlformats.org/officeDocument/2006/relationships" xmlns:p="http://schemas.openxmlformats.org/presentationml/2006/main">
+  <p:cSld>
+    <p:spTree>
+      <p:nvGrpSpPr>
+        <p:cNvPr id="1" name=""/>
+        <p:cNvGrpSpPr/>
+        <p:nvPr/>
+      </p:nvGrpSpPr>
+      <p:grpSpPr>
+        <a:xfrm>
+          <a:off x="0" y="0"/>
+          <a:ext cx="0" cy="0"/>
+          <a:chOff x="0" y="0"/>
+          <a:chExt cx="0" cy="0"/>
+        </a:xfrm>
+      </p:grpSpPr>
+      <p:sp>
+        <p:nvSpPr>
+          <p:cNvPr id="4" name="제목 1"/>
+          <p:cNvSpPr>
+            <a:spLocks noGrp="1"/>
+          </p:cNvSpPr>
+          <p:nvPr>
+            <p:ph type="title"/>
+          </p:nvPr>
+        </p:nvSpPr>
+        <p:spPr>
+          <a:xfrm>
+            <a:off x="1141411" y="0"/>
+            <a:ext cx="9905998" cy="733245"/>
+          </a:xfrm>
+          <a:ln>
+            <a:noFill/>
+          </a:ln>
+        </p:spPr>
+        <p:txBody>
+          <a:bodyPr/>
+          <a:lstStyle/>
+          <a:p>
+            <a:pPr marL="342900" indent="-342900"/>
+            <a:r>
+              <a:rPr lang="en-US" altLang="ko-KR" dirty="0"/>
+              <a:t>1. </a:t>
+            </a:r>
+            <a:r>
+              <a:rPr lang="ko-KR" altLang="en-US" dirty="0"/>
+              <a:t>네트워크 프로그래밍</a:t>
+            </a:r>
+            <a:endParaRPr lang="en-US" altLang="ko-KR" dirty="0"/>
+          </a:p>
+        </p:txBody>
+      </p:sp>
+      <p:sp>
+        <p:nvSpPr>
+          <p:cNvPr id="7" name="TextBox 6"/>
+          <p:cNvSpPr txBox="1"/>
+          <p:nvPr/>
+        </p:nvSpPr>
+        <p:spPr>
+          <a:xfrm>
+            <a:off x="1141410" y="733245"/>
+            <a:ext cx="9902263" cy="338554"/>
+          </a:xfrm>
+          <a:prstGeom prst="rect">
+            <a:avLst/>
+          </a:prstGeom>
+          <a:noFill/>
+          <a:ln>
+            <a:noFill/>
+          </a:ln>
+        </p:spPr>
+        <p:txBody>
+          <a:bodyPr wrap="square" rtlCol="0">
+            <a:spAutoFit/>
+          </a:bodyPr>
+          <a:lstStyle/>
+          <a:p>
+            <a:r>
+              <a:rPr lang="ko-KR" altLang="en-US" sz="1600" b="1" dirty="0">
+                <a:effectLst>
+                  <a:outerShdw blurRad="38100" dist="38100" dir="2700000" algn="tl">
+                    <a:srgbClr val="000000">
+                      <a:alpha val="43137"/>
+                    </a:srgbClr>
+                  </a:outerShdw>
+                </a:effectLst>
+                <a:latin typeface="Arial Black" pitchFamily="34" charset="0"/>
+                <a:sym typeface="Wingdings" panose="05000000000000000000" pitchFamily="2" charset="2"/>
+              </a:rPr>
+              <a:t>파일 수신 결과 메시지</a:t>
+            </a:r>
+            <a:r>
+              <a:rPr lang="en-US" altLang="ko-KR" sz="1600" b="1" dirty="0">
+                <a:effectLst>
+                  <a:outerShdw blurRad="38100" dist="38100" dir="2700000" algn="tl">
+                    <a:srgbClr val="000000">
+                      <a:alpha val="43137"/>
+                    </a:srgbClr>
+                  </a:outerShdw>
+                </a:effectLst>
+                <a:latin typeface="Arial Black" pitchFamily="34" charset="0"/>
+                <a:sym typeface="Wingdings" panose="05000000000000000000" pitchFamily="2" charset="2"/>
+              </a:rPr>
+              <a:t>(0x04)</a:t>
+            </a:r>
+          </a:p>
+        </p:txBody>
+      </p:sp>
+      <p:graphicFrame>
+        <p:nvGraphicFramePr>
+          <p:cNvPr id="6" name="표 2">
+            <a:extLst>
+              <a:ext uri="{FF2B5EF4-FFF2-40B4-BE49-F238E27FC236}">
+                <a16:creationId xmlns:a16="http://schemas.microsoft.com/office/drawing/2014/main" id="{98D35F81-D9A4-4398-8CBF-6EC81D2F292B}"/>
+              </a:ext>
+            </a:extLst>
+          </p:cNvPr>
+          <p:cNvGraphicFramePr>
+            <a:graphicFrameLocks noGrp="1"/>
+          </p:cNvGraphicFramePr>
+          <p:nvPr>
+            <p:extLst>
+              <p:ext uri="{D42A27DB-BD31-4B8C-83A1-F6EECF244321}">
+                <p14:modId xmlns:p14="http://schemas.microsoft.com/office/powerpoint/2010/main" val="3880712345"/>
+              </p:ext>
+            </p:extLst>
+          </p:nvPr>
+        </p:nvGraphicFramePr>
+        <p:xfrm>
+          <a:off x="1141411" y="1153886"/>
+          <a:ext cx="9902263" cy="1564640"/>
+        </p:xfrm>
+        <a:graphic>
+          <a:graphicData uri="http://schemas.openxmlformats.org/drawingml/2006/table">
+            <a:tbl>
+              <a:tblPr firstRow="1" bandRow="1">
+                <a:tableStyleId>{5C22544A-7EE6-4342-B048-85BDC9FD1C3A}</a:tableStyleId>
+              </a:tblPr>
+              <a:tblGrid>
+                <a:gridCol w="1514702">
+                  <a:extLst>
+                    <a:ext uri="{9D8B030D-6E8A-4147-A177-3AD203B41FA5}">
+                      <a16:colId xmlns:a16="http://schemas.microsoft.com/office/drawing/2014/main" val="1052610414"/>
+                    </a:ext>
+                  </a:extLst>
+                </a:gridCol>
+                <a:gridCol w="3272830">
+                  <a:extLst>
+                    <a:ext uri="{9D8B030D-6E8A-4147-A177-3AD203B41FA5}">
+                      <a16:colId xmlns:a16="http://schemas.microsoft.com/office/drawing/2014/main" val="3019081623"/>
+                    </a:ext>
+                  </a:extLst>
+                </a:gridCol>
+                <a:gridCol w="5114731">
+                  <a:extLst>
+                    <a:ext uri="{9D8B030D-6E8A-4147-A177-3AD203B41FA5}">
+                      <a16:colId xmlns:a16="http://schemas.microsoft.com/office/drawing/2014/main" val="3622543672"/>
+                    </a:ext>
+                  </a:extLst>
+                </a:gridCol>
+              </a:tblGrid>
+              <a:tr h="370840">
+                <a:tc>
+                  <a:txBody>
+                    <a:bodyPr/>
+                    <a:lstStyle/>
+                    <a:p>
+                      <a:pPr latinLnBrk="1"/>
+                      <a:r>
+                        <a:rPr lang="ko-KR" altLang="en-US" dirty="0"/>
+                        <a:t>필드이름</a:t>
+                      </a:r>
+                    </a:p>
+                  </a:txBody>
+                  <a:tcPr/>
+                </a:tc>
+                <a:tc>
+                  <a:txBody>
+                    <a:bodyPr/>
+                    <a:lstStyle/>
+                    <a:p>
+                      <a:pPr latinLnBrk="1"/>
+                      <a:r>
+                        <a:rPr lang="ko-KR" altLang="en-US" dirty="0"/>
+                        <a:t>크기</a:t>
+                      </a:r>
+                      <a:r>
+                        <a:rPr lang="en-US" altLang="ko-KR" dirty="0"/>
+                        <a:t>(</a:t>
+                      </a:r>
+                      <a:r>
+                        <a:rPr lang="ko-KR" altLang="en-US" dirty="0"/>
+                        <a:t>바이트</a:t>
+                      </a:r>
+                      <a:r>
+                        <a:rPr lang="en-US" altLang="ko-KR" dirty="0"/>
+                        <a:t>)</a:t>
+                      </a:r>
+                      <a:endParaRPr lang="ko-KR" altLang="en-US" dirty="0"/>
+                    </a:p>
+                  </a:txBody>
+                  <a:tcPr/>
+                </a:tc>
+                <a:tc>
+                  <a:txBody>
+                    <a:bodyPr/>
+                    <a:lstStyle/>
+                    <a:p>
+                      <a:pPr latinLnBrk="1"/>
+                      <a:r>
+                        <a:rPr lang="ko-KR" altLang="en-US" dirty="0"/>
+                        <a:t>설명</a:t>
+                      </a:r>
+                    </a:p>
+                  </a:txBody>
+                  <a:tcPr/>
+                </a:tc>
+                <a:extLst>
+                  <a:ext uri="{0D108BD9-81ED-4DB2-BD59-A6C34878D82A}">
+                    <a16:rowId xmlns:a16="http://schemas.microsoft.com/office/drawing/2014/main" val="4281553672"/>
+                  </a:ext>
+                </a:extLst>
+              </a:tr>
+              <a:tr h="370840">
+                <a:tc>
+                  <a:txBody>
+                    <a:bodyPr/>
+                    <a:lstStyle/>
+                    <a:p>
+                      <a:pPr latinLnBrk="1"/>
+                      <a:r>
+                        <a:rPr lang="en-US" altLang="ko-KR" sz="1600" dirty="0">
+                          <a:latin typeface="Arial Black" panose="020B0A04020102020204" pitchFamily="34" charset="0"/>
+                        </a:rPr>
+                        <a:t>MSGID</a:t>
+                      </a:r>
+                      <a:endParaRPr lang="ko-KR" altLang="en-US" sz="1600" dirty="0">
+                        <a:latin typeface="Arial Black" panose="020B0A04020102020204" pitchFamily="34" charset="0"/>
+                      </a:endParaRPr>
+                    </a:p>
+                  </a:txBody>
+                  <a:tcPr/>
+                </a:tc>
+                <a:tc>
+                  <a:txBody>
+                    <a:bodyPr/>
+                    <a:lstStyle/>
+                    <a:p>
+                      <a:pPr latinLnBrk="1"/>
+                      <a:r>
+                        <a:rPr lang="en-US" altLang="ko-KR" sz="1600" dirty="0">
+                          <a:latin typeface="Arial Black" panose="020B0A04020102020204" pitchFamily="34" charset="0"/>
+                        </a:rPr>
+                        <a:t>4</a:t>
+                      </a:r>
+                      <a:endParaRPr lang="ko-KR" altLang="en-US" sz="1600" dirty="0">
+                        <a:latin typeface="Arial Black" panose="020B0A04020102020204" pitchFamily="34" charset="0"/>
+                      </a:endParaRPr>
+                    </a:p>
+                  </a:txBody>
+                  <a:tcPr/>
+                </a:tc>
+                <a:tc>
+                  <a:txBody>
+                    <a:bodyPr/>
+                    <a:lstStyle/>
+                    <a:p>
+                      <a:pPr latinLnBrk="1"/>
+                      <a:r>
+                        <a:rPr lang="ko-KR" altLang="en-US" sz="1600" dirty="0">
+                          <a:latin typeface="Arial Black" panose="020B0A04020102020204" pitchFamily="34" charset="0"/>
+                        </a:rPr>
+                        <a:t>파일 전송 데이터</a:t>
+                      </a:r>
+                      <a:r>
+                        <a:rPr lang="en-US" altLang="ko-KR" sz="1600" dirty="0">
+                          <a:latin typeface="Arial Black" panose="020B0A04020102020204" pitchFamily="34" charset="0"/>
+                        </a:rPr>
+                        <a:t>(0x03)</a:t>
+                      </a:r>
+                      <a:r>
+                        <a:rPr lang="ko-KR" altLang="en-US" sz="1600" dirty="0">
+                          <a:latin typeface="Arial Black" panose="020B0A04020102020204" pitchFamily="34" charset="0"/>
+                        </a:rPr>
+                        <a:t>의 식별 번호</a:t>
+                      </a:r>
+                    </a:p>
+                  </a:txBody>
+                  <a:tcPr/>
+                </a:tc>
+                <a:extLst>
+                  <a:ext uri="{0D108BD9-81ED-4DB2-BD59-A6C34878D82A}">
+                    <a16:rowId xmlns:a16="http://schemas.microsoft.com/office/drawing/2014/main" val="2765211341"/>
+                  </a:ext>
+                </a:extLst>
+              </a:tr>
+              <a:tr h="370840">
+                <a:tc>
+                  <a:txBody>
+                    <a:bodyPr/>
+                    <a:lstStyle/>
+                    <a:p>
+                      <a:pPr latinLnBrk="1"/>
+                      <a:r>
+                        <a:rPr lang="en-US" altLang="ko-KR" sz="1600" dirty="0">
+                          <a:latin typeface="Arial Black" panose="020B0A04020102020204" pitchFamily="34" charset="0"/>
+                        </a:rPr>
+                        <a:t>RESULT</a:t>
+                      </a:r>
+                      <a:endParaRPr lang="ko-KR" altLang="en-US" sz="1600" dirty="0">
+                        <a:latin typeface="Arial Black" panose="020B0A04020102020204" pitchFamily="34" charset="0"/>
+                      </a:endParaRPr>
+                    </a:p>
+                  </a:txBody>
+                  <a:tcPr/>
+                </a:tc>
+                <a:tc>
+                  <a:txBody>
+                    <a:bodyPr/>
+                    <a:lstStyle/>
+                    <a:p>
+                      <a:pPr latinLnBrk="1"/>
+                      <a:r>
+                        <a:rPr lang="en-US" altLang="ko-KR" sz="1600" dirty="0">
+                          <a:latin typeface="Arial Black" panose="020B0A04020102020204" pitchFamily="34" charset="0"/>
+                        </a:rPr>
+                        <a:t>1</a:t>
+                      </a:r>
+                      <a:endParaRPr lang="ko-KR" altLang="en-US" sz="1600" dirty="0">
+                        <a:latin typeface="Arial Black" panose="020B0A04020102020204" pitchFamily="34" charset="0"/>
+                      </a:endParaRPr>
+                    </a:p>
+                  </a:txBody>
+                  <a:tcPr/>
+                </a:tc>
+                <a:tc>
+                  <a:txBody>
+                    <a:bodyPr/>
+                    <a:lstStyle/>
+                    <a:p>
+                      <a:pPr latinLnBrk="1"/>
+                      <a:r>
+                        <a:rPr lang="ko-KR" altLang="en-US" sz="1600" dirty="0">
+                          <a:latin typeface="Arial Black" panose="020B0A04020102020204" pitchFamily="34" charset="0"/>
+                        </a:rPr>
+                        <a:t>파일 전송 승인 거부</a:t>
+                      </a:r>
+                      <a:endParaRPr lang="en-US" altLang="ko-KR" sz="1600" dirty="0">
+                        <a:latin typeface="Arial Black" panose="020B0A04020102020204" pitchFamily="34" charset="0"/>
+                      </a:endParaRPr>
+                    </a:p>
+                    <a:p>
+                      <a:pPr marL="285750" indent="-285750" latinLnBrk="1">
+                        <a:buFont typeface="Arial" panose="020B0604020202020204" pitchFamily="34" charset="0"/>
+                        <a:buChar char="•"/>
+                      </a:pPr>
+                      <a:r>
+                        <a:rPr lang="ko-KR" altLang="en-US" sz="1600" dirty="0">
+                          <a:latin typeface="Arial Black" panose="020B0A04020102020204" pitchFamily="34" charset="0"/>
+                        </a:rPr>
+                        <a:t>실패</a:t>
+                      </a:r>
+                      <a:r>
+                        <a:rPr lang="en-US" altLang="ko-KR" sz="1600" dirty="0">
+                          <a:latin typeface="Arial Black" panose="020B0A04020102020204" pitchFamily="34" charset="0"/>
+                        </a:rPr>
+                        <a:t>: 0x0</a:t>
+                      </a:r>
+                    </a:p>
+                    <a:p>
+                      <a:pPr marL="285750" indent="-285750" latinLnBrk="1">
+                        <a:buFont typeface="Arial" panose="020B0604020202020204" pitchFamily="34" charset="0"/>
+                        <a:buChar char="•"/>
+                      </a:pPr>
+                      <a:r>
+                        <a:rPr lang="ko-KR" altLang="en-US" sz="1600" dirty="0">
+                          <a:latin typeface="Arial Black" panose="020B0A04020102020204" pitchFamily="34" charset="0"/>
+                        </a:rPr>
+                        <a:t>성공</a:t>
+                      </a:r>
+                      <a:r>
+                        <a:rPr lang="en-US" altLang="ko-KR" sz="1600" dirty="0">
+                          <a:latin typeface="Arial Black" panose="020B0A04020102020204" pitchFamily="34" charset="0"/>
+                        </a:rPr>
+                        <a:t>:</a:t>
+                      </a:r>
+                      <a:r>
+                        <a:rPr lang="ko-KR" altLang="en-US" sz="1600" dirty="0">
+                          <a:latin typeface="Arial Black" panose="020B0A04020102020204" pitchFamily="34" charset="0"/>
+                        </a:rPr>
+                        <a:t> </a:t>
+                      </a:r>
+                      <a:r>
+                        <a:rPr lang="en-US" altLang="ko-KR" sz="1600" dirty="0">
+                          <a:latin typeface="Arial Black" panose="020B0A04020102020204" pitchFamily="34" charset="0"/>
+                        </a:rPr>
+                        <a:t>0x1</a:t>
+                      </a:r>
+                      <a:endParaRPr lang="ko-KR" altLang="en-US" sz="1600" dirty="0">
+                        <a:latin typeface="Arial Black" panose="020B0A04020102020204" pitchFamily="34" charset="0"/>
+                      </a:endParaRPr>
+                    </a:p>
+                  </a:txBody>
+                  <a:tcPr/>
+                </a:tc>
+                <a:extLst>
+                  <a:ext uri="{0D108BD9-81ED-4DB2-BD59-A6C34878D82A}">
+                    <a16:rowId xmlns:a16="http://schemas.microsoft.com/office/drawing/2014/main" val="2561494659"/>
+                  </a:ext>
+                </a:extLst>
+              </a:tr>
+            </a:tbl>
+          </a:graphicData>
+        </a:graphic>
+      </p:graphicFrame>
+      <p:sp>
+        <p:nvSpPr>
+          <p:cNvPr id="10" name="직사각형 9">
+            <a:extLst>
+              <a:ext uri="{FF2B5EF4-FFF2-40B4-BE49-F238E27FC236}">
+                <a16:creationId xmlns:a16="http://schemas.microsoft.com/office/drawing/2014/main" id="{93C9EC05-B7B5-41B9-8C6E-AF6526F504EA}"/>
+              </a:ext>
+            </a:extLst>
+          </p:cNvPr>
+          <p:cNvSpPr/>
+          <p:nvPr/>
+        </p:nvSpPr>
+        <p:spPr>
+          <a:xfrm>
+            <a:off x="3363883" y="2954921"/>
+            <a:ext cx="872455" cy="349947"/>
+          </a:xfrm>
+          <a:prstGeom prst="rect">
+            <a:avLst/>
+          </a:prstGeom>
+          <a:solidFill>
+            <a:schemeClr val="accent4">
+              <a:lumMod val="50000"/>
+            </a:schemeClr>
+          </a:solidFill>
+          <a:ln>
+            <a:solidFill>
+              <a:schemeClr val="tx1"/>
+            </a:solidFill>
+          </a:ln>
+        </p:spPr>
+        <p:style>
+          <a:lnRef idx="2">
+            <a:schemeClr val="accent1">
+              <a:shade val="50000"/>
+            </a:schemeClr>
+          </a:lnRef>
+          <a:fillRef idx="1">
+            <a:schemeClr val="accent1"/>
+          </a:fillRef>
+          <a:effectRef idx="0">
+            <a:schemeClr val="accent1"/>
+          </a:effectRef>
+          <a:fontRef idx="minor">
+            <a:schemeClr val="lt1"/>
+          </a:fontRef>
+        </p:style>
+        <p:txBody>
+          <a:bodyPr rtlCol="0" anchor="ctr"/>
+          <a:lstStyle/>
+          <a:p>
+            <a:pPr algn="ctr"/>
+            <a:r>
+              <a:rPr lang="en-US" altLang="ko-KR" sz="1400" dirty="0">
+                <a:latin typeface="Arial Black" panose="020B0A04020102020204" pitchFamily="34" charset="0"/>
+              </a:rPr>
+              <a:t>Server</a:t>
+            </a:r>
+            <a:endParaRPr lang="ko-KR" altLang="en-US" dirty="0">
+              <a:latin typeface="Arial Black" panose="020B0A04020102020204" pitchFamily="34" charset="0"/>
+            </a:endParaRPr>
+          </a:p>
+        </p:txBody>
+      </p:sp>
+      <p:sp>
+        <p:nvSpPr>
+          <p:cNvPr id="11" name="직사각형 10">
+            <a:extLst>
+              <a:ext uri="{FF2B5EF4-FFF2-40B4-BE49-F238E27FC236}">
+                <a16:creationId xmlns:a16="http://schemas.microsoft.com/office/drawing/2014/main" id="{4D16BD5C-7E93-4BB8-8100-DE2029E5734D}"/>
+              </a:ext>
+            </a:extLst>
+          </p:cNvPr>
+          <p:cNvSpPr/>
+          <p:nvPr/>
+        </p:nvSpPr>
+        <p:spPr>
+          <a:xfrm>
+            <a:off x="7955663" y="2891364"/>
+            <a:ext cx="872455" cy="349947"/>
+          </a:xfrm>
+          <a:prstGeom prst="rect">
+            <a:avLst/>
+          </a:prstGeom>
+          <a:solidFill>
+            <a:schemeClr val="accent2">
+              <a:lumMod val="50000"/>
+            </a:schemeClr>
+          </a:solidFill>
+          <a:ln>
+            <a:solidFill>
+              <a:schemeClr val="tx1"/>
+            </a:solidFill>
+          </a:ln>
+        </p:spPr>
+        <p:style>
+          <a:lnRef idx="2">
+            <a:schemeClr val="accent1">
+              <a:shade val="50000"/>
+            </a:schemeClr>
+          </a:lnRef>
+          <a:fillRef idx="1">
+            <a:schemeClr val="accent1"/>
+          </a:fillRef>
+          <a:effectRef idx="0">
+            <a:schemeClr val="accent1"/>
+          </a:effectRef>
+          <a:fontRef idx="minor">
+            <a:schemeClr val="lt1"/>
+          </a:fontRef>
+        </p:style>
+        <p:txBody>
+          <a:bodyPr rtlCol="0" anchor="ctr"/>
+          <a:lstStyle/>
+          <a:p>
+            <a:pPr algn="ctr"/>
+            <a:r>
+              <a:rPr lang="en-US" altLang="ko-KR" sz="1400" dirty="0">
+                <a:latin typeface="Arial Black" panose="020B0A04020102020204" pitchFamily="34" charset="0"/>
+              </a:rPr>
+              <a:t>Client</a:t>
+            </a:r>
+            <a:endParaRPr lang="ko-KR" altLang="en-US" sz="1400" dirty="0">
+              <a:latin typeface="Arial Black" panose="020B0A04020102020204" pitchFamily="34" charset="0"/>
+            </a:endParaRPr>
+          </a:p>
+        </p:txBody>
+      </p:sp>
+      <p:cxnSp>
+        <p:nvCxnSpPr>
+          <p:cNvPr id="12" name="직선 화살표 연결선 11">
+            <a:extLst>
+              <a:ext uri="{FF2B5EF4-FFF2-40B4-BE49-F238E27FC236}">
+                <a16:creationId xmlns:a16="http://schemas.microsoft.com/office/drawing/2014/main" id="{48D188AF-F0DA-47F4-A381-F28EA23C175A}"/>
+              </a:ext>
+            </a:extLst>
+          </p:cNvPr>
+          <p:cNvCxnSpPr>
+            <a:cxnSpLocks/>
+            <a:stCxn id="10" idx="2"/>
+          </p:cNvCxnSpPr>
+          <p:nvPr/>
+        </p:nvCxnSpPr>
+        <p:spPr>
+          <a:xfrm>
+            <a:off x="3800111" y="3304868"/>
+            <a:ext cx="0" cy="3616689"/>
+          </a:xfrm>
+          <a:prstGeom prst="straightConnector1">
+            <a:avLst/>
+          </a:prstGeom>
+          <a:ln w="28575">
+            <a:solidFill>
+              <a:schemeClr val="tx1"/>
+            </a:solidFill>
+            <a:headEnd type="none" w="med" len="med"/>
+            <a:tailEnd type="none" w="med" len="med"/>
+          </a:ln>
+        </p:spPr>
+        <p:style>
+          <a:lnRef idx="1">
+            <a:schemeClr val="accent1"/>
+          </a:lnRef>
+          <a:fillRef idx="0">
+            <a:schemeClr val="accent1"/>
+          </a:fillRef>
+          <a:effectRef idx="0">
+            <a:schemeClr val="accent1"/>
+          </a:effectRef>
+          <a:fontRef idx="minor">
+            <a:schemeClr val="tx1"/>
+          </a:fontRef>
+        </p:style>
+      </p:cxnSp>
+      <p:cxnSp>
+        <p:nvCxnSpPr>
+          <p:cNvPr id="13" name="직선 연결선 12">
+            <a:extLst>
+              <a:ext uri="{FF2B5EF4-FFF2-40B4-BE49-F238E27FC236}">
+                <a16:creationId xmlns:a16="http://schemas.microsoft.com/office/drawing/2014/main" id="{0E529DEE-C9AF-4F47-89B3-B491B9DE71D9}"/>
+              </a:ext>
+            </a:extLst>
+          </p:cNvPr>
+          <p:cNvCxnSpPr>
+            <a:cxnSpLocks/>
+            <a:stCxn id="11" idx="2"/>
+          </p:cNvCxnSpPr>
+          <p:nvPr/>
+        </p:nvCxnSpPr>
+        <p:spPr>
+          <a:xfrm flipH="1">
+            <a:off x="8391890" y="3241311"/>
+            <a:ext cx="1" cy="3614867"/>
+          </a:xfrm>
+          <a:prstGeom prst="line">
+            <a:avLst/>
+          </a:prstGeom>
+          <a:ln w="28575">
+            <a:solidFill>
+              <a:schemeClr val="tx1"/>
+            </a:solidFill>
+          </a:ln>
+        </p:spPr>
+        <p:style>
+          <a:lnRef idx="1">
+            <a:schemeClr val="accent1"/>
+          </a:lnRef>
+          <a:fillRef idx="0">
+            <a:schemeClr val="accent1"/>
+          </a:fillRef>
+          <a:effectRef idx="0">
+            <a:schemeClr val="accent1"/>
+          </a:effectRef>
+          <a:fontRef idx="minor">
+            <a:schemeClr val="tx1"/>
+          </a:fontRef>
+        </p:style>
+      </p:cxnSp>
+      <p:sp>
+        <p:nvSpPr>
+          <p:cNvPr id="14" name="TextBox 13">
+            <a:extLst>
+              <a:ext uri="{FF2B5EF4-FFF2-40B4-BE49-F238E27FC236}">
+                <a16:creationId xmlns:a16="http://schemas.microsoft.com/office/drawing/2014/main" id="{3F5107F6-7FC5-49AB-8C37-6B8F98BE8349}"/>
+              </a:ext>
+            </a:extLst>
+          </p:cNvPr>
+          <p:cNvSpPr txBox="1"/>
+          <p:nvPr/>
+        </p:nvSpPr>
+        <p:spPr>
+          <a:xfrm>
+            <a:off x="4872452" y="3469418"/>
+            <a:ext cx="2247530" cy="338554"/>
+          </a:xfrm>
+          <a:prstGeom prst="rect">
+            <a:avLst/>
+          </a:prstGeom>
+          <a:noFill/>
+          <a:ln>
+            <a:solidFill>
+              <a:schemeClr val="tx1"/>
+            </a:solidFill>
+          </a:ln>
+        </p:spPr>
+        <p:txBody>
+          <a:bodyPr wrap="square" rtlCol="0">
+            <a:spAutoFit/>
+          </a:bodyPr>
+          <a:lstStyle/>
+          <a:p>
+            <a:pPr algn="ctr"/>
+            <a:r>
+              <a:rPr lang="ko-KR" altLang="en-US" sz="1600" dirty="0">
+                <a:latin typeface="Arial Black" panose="020B0A04020102020204" pitchFamily="34" charset="0"/>
+              </a:rPr>
+              <a:t>파일 전송 요청</a:t>
+            </a:r>
+            <a:r>
+              <a:rPr lang="en-US" altLang="ko-KR" sz="1600" dirty="0">
+                <a:latin typeface="Arial Black" panose="020B0A04020102020204" pitchFamily="34" charset="0"/>
+              </a:rPr>
+              <a:t>(0x01)</a:t>
+            </a:r>
+            <a:endParaRPr lang="ko-KR" altLang="en-US" sz="1600" dirty="0">
+              <a:latin typeface="Arial Black" panose="020B0A04020102020204" pitchFamily="34" charset="0"/>
+            </a:endParaRPr>
+          </a:p>
+        </p:txBody>
+      </p:sp>
+      <p:cxnSp>
+        <p:nvCxnSpPr>
+          <p:cNvPr id="5" name="직선 화살표 연결선 4">
+            <a:extLst>
+              <a:ext uri="{FF2B5EF4-FFF2-40B4-BE49-F238E27FC236}">
+                <a16:creationId xmlns:a16="http://schemas.microsoft.com/office/drawing/2014/main" id="{6D5F0979-767A-45CC-B89B-E999C2674234}"/>
+              </a:ext>
+            </a:extLst>
+          </p:cNvPr>
+          <p:cNvCxnSpPr/>
+          <p:nvPr/>
+        </p:nvCxnSpPr>
+        <p:spPr>
+          <a:xfrm flipH="1">
+            <a:off x="3800110" y="3875314"/>
+            <a:ext cx="4591780" cy="0"/>
+          </a:xfrm>
+          <a:prstGeom prst="straightConnector1">
+            <a:avLst/>
+          </a:prstGeom>
+          <a:ln w="28575">
+            <a:solidFill>
+              <a:srgbClr val="00B0F0"/>
+            </a:solidFill>
+            <a:tailEnd type="triangle"/>
+          </a:ln>
+        </p:spPr>
+        <p:style>
+          <a:lnRef idx="1">
+            <a:schemeClr val="accent1"/>
+          </a:lnRef>
+          <a:fillRef idx="0">
+            <a:schemeClr val="accent1"/>
+          </a:fillRef>
+          <a:effectRef idx="0">
+            <a:schemeClr val="accent1"/>
+          </a:effectRef>
+          <a:fontRef idx="minor">
+            <a:schemeClr val="tx1"/>
+          </a:fontRef>
+        </p:style>
+      </p:cxnSp>
+      <p:sp>
+        <p:nvSpPr>
+          <p:cNvPr id="39" name="TextBox 38">
+            <a:extLst>
+              <a:ext uri="{FF2B5EF4-FFF2-40B4-BE49-F238E27FC236}">
+                <a16:creationId xmlns:a16="http://schemas.microsoft.com/office/drawing/2014/main" id="{DCDB3FC5-2D09-40D9-BEC8-B03DDFB289EC}"/>
+              </a:ext>
+            </a:extLst>
+          </p:cNvPr>
+          <p:cNvSpPr txBox="1"/>
+          <p:nvPr/>
+        </p:nvSpPr>
+        <p:spPr>
+          <a:xfrm>
+            <a:off x="4872452" y="4039680"/>
+            <a:ext cx="2247530" cy="338554"/>
+          </a:xfrm>
+          <a:prstGeom prst="rect">
+            <a:avLst/>
+          </a:prstGeom>
+          <a:noFill/>
+          <a:ln>
+            <a:solidFill>
+              <a:schemeClr val="tx1"/>
+            </a:solidFill>
+          </a:ln>
+        </p:spPr>
+        <p:txBody>
+          <a:bodyPr wrap="square" rtlCol="0">
+            <a:spAutoFit/>
+          </a:bodyPr>
+          <a:lstStyle/>
+          <a:p>
+            <a:pPr algn="ctr"/>
+            <a:r>
+              <a:rPr lang="ko-KR" altLang="en-US" sz="1600" dirty="0">
+                <a:latin typeface="Arial Black" panose="020B0A04020102020204" pitchFamily="34" charset="0"/>
+              </a:rPr>
+              <a:t>파일 전송 응답</a:t>
+            </a:r>
+            <a:r>
+              <a:rPr lang="en-US" altLang="ko-KR" sz="1600" dirty="0">
+                <a:latin typeface="Arial Black" panose="020B0A04020102020204" pitchFamily="34" charset="0"/>
+              </a:rPr>
+              <a:t>(0x02)</a:t>
+            </a:r>
+            <a:endParaRPr lang="ko-KR" altLang="en-US" sz="1600" dirty="0">
+              <a:latin typeface="Arial Black" panose="020B0A04020102020204" pitchFamily="34" charset="0"/>
+            </a:endParaRPr>
+          </a:p>
+        </p:txBody>
+      </p:sp>
+      <p:cxnSp>
+        <p:nvCxnSpPr>
+          <p:cNvPr id="40" name="직선 화살표 연결선 39">
+            <a:extLst>
+              <a:ext uri="{FF2B5EF4-FFF2-40B4-BE49-F238E27FC236}">
+                <a16:creationId xmlns:a16="http://schemas.microsoft.com/office/drawing/2014/main" id="{2A301017-63A0-4808-AC4F-4CBE711F3159}"/>
+              </a:ext>
+            </a:extLst>
+          </p:cNvPr>
+          <p:cNvCxnSpPr/>
+          <p:nvPr/>
+        </p:nvCxnSpPr>
+        <p:spPr>
+          <a:xfrm flipH="1">
+            <a:off x="3800110" y="4445576"/>
+            <a:ext cx="4591780" cy="0"/>
+          </a:xfrm>
+          <a:prstGeom prst="straightConnector1">
+            <a:avLst/>
+          </a:prstGeom>
+          <a:ln w="28575">
+            <a:solidFill>
+              <a:srgbClr val="FF0000"/>
+            </a:solidFill>
+            <a:headEnd type="triangle" w="med" len="med"/>
+            <a:tailEnd type="none" w="med" len="med"/>
+          </a:ln>
+        </p:spPr>
+        <p:style>
+          <a:lnRef idx="1">
+            <a:schemeClr val="accent1"/>
+          </a:lnRef>
+          <a:fillRef idx="0">
+            <a:schemeClr val="accent1"/>
+          </a:fillRef>
+          <a:effectRef idx="0">
+            <a:schemeClr val="accent1"/>
+          </a:effectRef>
+          <a:fontRef idx="minor">
+            <a:schemeClr val="tx1"/>
+          </a:fontRef>
+        </p:style>
+      </p:cxnSp>
+      <p:sp>
+        <p:nvSpPr>
+          <p:cNvPr id="41" name="TextBox 40">
+            <a:extLst>
+              <a:ext uri="{FF2B5EF4-FFF2-40B4-BE49-F238E27FC236}">
+                <a16:creationId xmlns:a16="http://schemas.microsoft.com/office/drawing/2014/main" id="{E6AE81B3-60CF-4F52-8370-3F205EEFD039}"/>
+              </a:ext>
+            </a:extLst>
+          </p:cNvPr>
+          <p:cNvSpPr txBox="1"/>
+          <p:nvPr/>
+        </p:nvSpPr>
+        <p:spPr>
+          <a:xfrm>
+            <a:off x="4872452" y="4599756"/>
+            <a:ext cx="2247530" cy="338554"/>
+          </a:xfrm>
+          <a:prstGeom prst="rect">
+            <a:avLst/>
+          </a:prstGeom>
+          <a:noFill/>
+          <a:ln>
+            <a:solidFill>
+              <a:schemeClr val="tx1"/>
+            </a:solidFill>
+          </a:ln>
+        </p:spPr>
+        <p:txBody>
+          <a:bodyPr wrap="square" rtlCol="0">
+            <a:spAutoFit/>
+          </a:bodyPr>
+          <a:lstStyle/>
+          <a:p>
+            <a:pPr algn="ctr"/>
+            <a:r>
+              <a:rPr lang="ko-KR" altLang="en-US" sz="1600" dirty="0">
+                <a:latin typeface="Arial Black" panose="020B0A04020102020204" pitchFamily="34" charset="0"/>
+              </a:rPr>
+              <a:t>파일 데이터</a:t>
+            </a:r>
+            <a:r>
+              <a:rPr lang="en-US" altLang="ko-KR" sz="1600" dirty="0">
+                <a:latin typeface="Arial Black" panose="020B0A04020102020204" pitchFamily="34" charset="0"/>
+              </a:rPr>
+              <a:t>(0x03)</a:t>
+            </a:r>
+            <a:endParaRPr lang="ko-KR" altLang="en-US" sz="1600" dirty="0">
+              <a:latin typeface="Arial Black" panose="020B0A04020102020204" pitchFamily="34" charset="0"/>
+            </a:endParaRPr>
+          </a:p>
+        </p:txBody>
+      </p:sp>
+      <p:cxnSp>
+        <p:nvCxnSpPr>
+          <p:cNvPr id="42" name="직선 화살표 연결선 41">
+            <a:extLst>
+              <a:ext uri="{FF2B5EF4-FFF2-40B4-BE49-F238E27FC236}">
+                <a16:creationId xmlns:a16="http://schemas.microsoft.com/office/drawing/2014/main" id="{4C86590C-FC48-42AE-B537-6A114BBA1509}"/>
+              </a:ext>
+            </a:extLst>
+          </p:cNvPr>
+          <p:cNvCxnSpPr/>
+          <p:nvPr/>
+        </p:nvCxnSpPr>
+        <p:spPr>
+          <a:xfrm flipH="1">
+            <a:off x="3800110" y="5005652"/>
+            <a:ext cx="4591780" cy="0"/>
+          </a:xfrm>
+          <a:prstGeom prst="straightConnector1">
+            <a:avLst/>
+          </a:prstGeom>
+          <a:ln w="28575">
+            <a:solidFill>
+              <a:srgbClr val="00B0F0"/>
+            </a:solidFill>
+            <a:tailEnd type="triangle"/>
+          </a:ln>
+        </p:spPr>
+        <p:style>
+          <a:lnRef idx="1">
+            <a:schemeClr val="accent1"/>
+          </a:lnRef>
+          <a:fillRef idx="0">
+            <a:schemeClr val="accent1"/>
+          </a:fillRef>
+          <a:effectRef idx="0">
+            <a:schemeClr val="accent1"/>
+          </a:effectRef>
+          <a:fontRef idx="minor">
+            <a:schemeClr val="tx1"/>
+          </a:fontRef>
+        </p:style>
+      </p:cxnSp>
+      <p:sp>
+        <p:nvSpPr>
+          <p:cNvPr id="43" name="TextBox 42">
+            <a:extLst>
+              <a:ext uri="{FF2B5EF4-FFF2-40B4-BE49-F238E27FC236}">
+                <a16:creationId xmlns:a16="http://schemas.microsoft.com/office/drawing/2014/main" id="{F1E7BE1D-AFF9-450E-A194-B81C35525E02}"/>
+              </a:ext>
+            </a:extLst>
+          </p:cNvPr>
+          <p:cNvSpPr txBox="1"/>
+          <p:nvPr/>
+        </p:nvSpPr>
+        <p:spPr>
+          <a:xfrm>
+            <a:off x="4872452" y="5190195"/>
+            <a:ext cx="2247530" cy="338554"/>
+          </a:xfrm>
+          <a:prstGeom prst="rect">
+            <a:avLst/>
+          </a:prstGeom>
+          <a:noFill/>
+          <a:ln>
+            <a:solidFill>
+              <a:schemeClr val="tx1"/>
+            </a:solidFill>
+          </a:ln>
+        </p:spPr>
+        <p:txBody>
+          <a:bodyPr wrap="square" rtlCol="0">
+            <a:spAutoFit/>
+          </a:bodyPr>
+          <a:lstStyle/>
+          <a:p>
+            <a:pPr algn="ctr"/>
+            <a:r>
+              <a:rPr lang="ko-KR" altLang="en-US" sz="1600" dirty="0">
+                <a:latin typeface="Arial Black" panose="020B0A04020102020204" pitchFamily="34" charset="0"/>
+              </a:rPr>
+              <a:t>파일 데이터</a:t>
+            </a:r>
+            <a:r>
+              <a:rPr lang="en-US" altLang="ko-KR" sz="1600" dirty="0">
+                <a:latin typeface="Arial Black" panose="020B0A04020102020204" pitchFamily="34" charset="0"/>
+              </a:rPr>
+              <a:t>(0x03)</a:t>
+            </a:r>
+            <a:endParaRPr lang="ko-KR" altLang="en-US" sz="1600" dirty="0">
+              <a:latin typeface="Arial Black" panose="020B0A04020102020204" pitchFamily="34" charset="0"/>
+            </a:endParaRPr>
+          </a:p>
+        </p:txBody>
+      </p:sp>
+      <p:cxnSp>
+        <p:nvCxnSpPr>
+          <p:cNvPr id="44" name="직선 화살표 연결선 43">
+            <a:extLst>
+              <a:ext uri="{FF2B5EF4-FFF2-40B4-BE49-F238E27FC236}">
+                <a16:creationId xmlns:a16="http://schemas.microsoft.com/office/drawing/2014/main" id="{0F8B19BE-61E4-4678-B956-BDF5E8A4A0A1}"/>
+              </a:ext>
+            </a:extLst>
+          </p:cNvPr>
+          <p:cNvCxnSpPr/>
+          <p:nvPr/>
+        </p:nvCxnSpPr>
+        <p:spPr>
+          <a:xfrm flipH="1">
+            <a:off x="3800110" y="5596091"/>
+            <a:ext cx="4591780" cy="0"/>
+          </a:xfrm>
+          <a:prstGeom prst="straightConnector1">
+            <a:avLst/>
+          </a:prstGeom>
+          <a:ln w="28575">
+            <a:solidFill>
+              <a:srgbClr val="00B0F0"/>
+            </a:solidFill>
+            <a:tailEnd type="triangle"/>
+          </a:ln>
+        </p:spPr>
+        <p:style>
+          <a:lnRef idx="1">
+            <a:schemeClr val="accent1"/>
+          </a:lnRef>
+          <a:fillRef idx="0">
+            <a:schemeClr val="accent1"/>
+          </a:fillRef>
+          <a:effectRef idx="0">
+            <a:schemeClr val="accent1"/>
+          </a:effectRef>
+          <a:fontRef idx="minor">
+            <a:schemeClr val="tx1"/>
+          </a:fontRef>
+        </p:style>
+      </p:cxnSp>
+      <p:sp>
+        <p:nvSpPr>
+          <p:cNvPr id="45" name="TextBox 44">
+            <a:extLst>
+              <a:ext uri="{FF2B5EF4-FFF2-40B4-BE49-F238E27FC236}">
+                <a16:creationId xmlns:a16="http://schemas.microsoft.com/office/drawing/2014/main" id="{AF21FD12-17EC-468E-A9F4-D385C9749F52}"/>
+              </a:ext>
+            </a:extLst>
+          </p:cNvPr>
+          <p:cNvSpPr txBox="1"/>
+          <p:nvPr/>
+        </p:nvSpPr>
+        <p:spPr>
+          <a:xfrm>
+            <a:off x="4872452" y="5780633"/>
+            <a:ext cx="2247530" cy="338554"/>
+          </a:xfrm>
+          <a:prstGeom prst="rect">
+            <a:avLst/>
+          </a:prstGeom>
+          <a:noFill/>
+          <a:ln>
+            <a:solidFill>
+              <a:schemeClr val="tx1"/>
+            </a:solidFill>
+          </a:ln>
+        </p:spPr>
+        <p:txBody>
+          <a:bodyPr wrap="square" rtlCol="0">
+            <a:spAutoFit/>
+          </a:bodyPr>
+          <a:lstStyle/>
+          <a:p>
+            <a:pPr algn="ctr"/>
+            <a:r>
+              <a:rPr lang="ko-KR" altLang="en-US" sz="1600" dirty="0">
+                <a:latin typeface="Arial Black" panose="020B0A04020102020204" pitchFamily="34" charset="0"/>
+              </a:rPr>
+              <a:t>파일 데이터</a:t>
+            </a:r>
+            <a:r>
+              <a:rPr lang="en-US" altLang="ko-KR" sz="1600" dirty="0">
+                <a:latin typeface="Arial Black" panose="020B0A04020102020204" pitchFamily="34" charset="0"/>
+              </a:rPr>
+              <a:t>(0x03)</a:t>
+            </a:r>
+            <a:endParaRPr lang="ko-KR" altLang="en-US" sz="1600" dirty="0">
+              <a:latin typeface="Arial Black" panose="020B0A04020102020204" pitchFamily="34" charset="0"/>
+            </a:endParaRPr>
+          </a:p>
+        </p:txBody>
+      </p:sp>
+      <p:cxnSp>
+        <p:nvCxnSpPr>
+          <p:cNvPr id="46" name="직선 화살표 연결선 45">
+            <a:extLst>
+              <a:ext uri="{FF2B5EF4-FFF2-40B4-BE49-F238E27FC236}">
+                <a16:creationId xmlns:a16="http://schemas.microsoft.com/office/drawing/2014/main" id="{1BA21B3D-B853-49CB-9B7A-035BA0C67D30}"/>
+              </a:ext>
+            </a:extLst>
+          </p:cNvPr>
+          <p:cNvCxnSpPr/>
+          <p:nvPr/>
+        </p:nvCxnSpPr>
+        <p:spPr>
+          <a:xfrm flipH="1">
+            <a:off x="3800110" y="6186529"/>
+            <a:ext cx="4591780" cy="0"/>
+          </a:xfrm>
+          <a:prstGeom prst="straightConnector1">
+            <a:avLst/>
+          </a:prstGeom>
+          <a:ln w="28575">
+            <a:solidFill>
+              <a:srgbClr val="00B0F0"/>
+            </a:solidFill>
+            <a:tailEnd type="triangle"/>
+          </a:ln>
+        </p:spPr>
+        <p:style>
+          <a:lnRef idx="1">
+            <a:schemeClr val="accent1"/>
+          </a:lnRef>
+          <a:fillRef idx="0">
+            <a:schemeClr val="accent1"/>
+          </a:fillRef>
+          <a:effectRef idx="0">
+            <a:schemeClr val="accent1"/>
+          </a:effectRef>
+          <a:fontRef idx="minor">
+            <a:schemeClr val="tx1"/>
+          </a:fontRef>
+        </p:style>
+      </p:cxnSp>
+      <p:sp>
+        <p:nvSpPr>
+          <p:cNvPr id="47" name="TextBox 46">
+            <a:extLst>
+              <a:ext uri="{FF2B5EF4-FFF2-40B4-BE49-F238E27FC236}">
+                <a16:creationId xmlns:a16="http://schemas.microsoft.com/office/drawing/2014/main" id="{11DBB53A-2BFE-4C33-8863-571335969E9C}"/>
+              </a:ext>
+            </a:extLst>
+          </p:cNvPr>
+          <p:cNvSpPr txBox="1"/>
+          <p:nvPr/>
+        </p:nvSpPr>
+        <p:spPr>
+          <a:xfrm>
+            <a:off x="4872452" y="6342271"/>
+            <a:ext cx="2247530" cy="338554"/>
+          </a:xfrm>
+          <a:prstGeom prst="rect">
+            <a:avLst/>
+          </a:prstGeom>
+          <a:noFill/>
+          <a:ln>
+            <a:solidFill>
+              <a:schemeClr val="tx1"/>
+            </a:solidFill>
+          </a:ln>
+        </p:spPr>
+        <p:txBody>
+          <a:bodyPr wrap="square" rtlCol="0">
+            <a:spAutoFit/>
+          </a:bodyPr>
+          <a:lstStyle/>
+          <a:p>
+            <a:pPr algn="ctr"/>
+            <a:r>
+              <a:rPr lang="ko-KR" altLang="en-US" sz="1600" dirty="0">
+                <a:latin typeface="Arial Black" panose="020B0A04020102020204" pitchFamily="34" charset="0"/>
+              </a:rPr>
+              <a:t>파일 전송 결과</a:t>
+            </a:r>
+            <a:r>
+              <a:rPr lang="en-US" altLang="ko-KR" sz="1600" dirty="0">
+                <a:latin typeface="Arial Black" panose="020B0A04020102020204" pitchFamily="34" charset="0"/>
+              </a:rPr>
+              <a:t>(0x04)</a:t>
+            </a:r>
+            <a:endParaRPr lang="ko-KR" altLang="en-US" sz="1600" dirty="0">
+              <a:latin typeface="Arial Black" panose="020B0A04020102020204" pitchFamily="34" charset="0"/>
+            </a:endParaRPr>
+          </a:p>
+        </p:txBody>
+      </p:sp>
+      <p:cxnSp>
+        <p:nvCxnSpPr>
+          <p:cNvPr id="48" name="직선 화살표 연결선 47">
+            <a:extLst>
+              <a:ext uri="{FF2B5EF4-FFF2-40B4-BE49-F238E27FC236}">
+                <a16:creationId xmlns:a16="http://schemas.microsoft.com/office/drawing/2014/main" id="{867014B7-003A-413D-99B7-4439791C90C3}"/>
+              </a:ext>
+            </a:extLst>
+          </p:cNvPr>
+          <p:cNvCxnSpPr/>
+          <p:nvPr/>
+        </p:nvCxnSpPr>
+        <p:spPr>
+          <a:xfrm flipH="1">
+            <a:off x="3800110" y="6748167"/>
+            <a:ext cx="4591780" cy="0"/>
+          </a:xfrm>
+          <a:prstGeom prst="straightConnector1">
+            <a:avLst/>
+          </a:prstGeom>
+          <a:ln w="28575">
+            <a:solidFill>
+              <a:srgbClr val="FF0000"/>
+            </a:solidFill>
+            <a:headEnd type="triangle" w="med" len="med"/>
+            <a:tailEnd type="none" w="med" len="med"/>
+          </a:ln>
+        </p:spPr>
+        <p:style>
+          <a:lnRef idx="1">
+            <a:schemeClr val="accent1"/>
+          </a:lnRef>
+          <a:fillRef idx="0">
+            <a:schemeClr val="accent1"/>
+          </a:fillRef>
+          <a:effectRef idx="0">
+            <a:schemeClr val="accent1"/>
+          </a:effectRef>
+          <a:fontRef idx="minor">
+            <a:schemeClr val="tx1"/>
+          </a:fontRef>
+        </p:style>
+      </p:cxnSp>
+    </p:spTree>
+    <p:extLst>
+      <p:ext uri="{BB962C8B-B14F-4D97-AF65-F5344CB8AC3E}">
+        <p14:creationId xmlns:p14="http://schemas.microsoft.com/office/powerpoint/2010/main" val="305066985"/>
+      </p:ext>
+    </p:extLst>
+  </p:cSld>
+  <p:clrMapOvr>
+    <a:masterClrMapping/>
+  </p:clrMapOvr>
+</p:sld>
+</file>
+
+<file path=ppt/slides/slide19.xml><?xml version="1.0" encoding="utf-8"?>
+<p:sld xmlns:a="http://schemas.openxmlformats.org/drawingml/2006/main" xmlns:r="http://schemas.openxmlformats.org/officeDocument/2006/relationships" xmlns:p="http://schemas.openxmlformats.org/presentationml/2006/main">
+  <p:cSld>
+    <p:spTree>
+      <p:nvGrpSpPr>
+        <p:cNvPr id="1" name=""/>
+        <p:cNvGrpSpPr/>
+        <p:nvPr/>
+      </p:nvGrpSpPr>
+      <p:grpSpPr>
+        <a:xfrm>
+          <a:off x="0" y="0"/>
+          <a:ext cx="0" cy="0"/>
+          <a:chOff x="0" y="0"/>
+          <a:chExt cx="0" cy="0"/>
+        </a:xfrm>
+      </p:grpSpPr>
+      <p:sp>
+        <p:nvSpPr>
+          <p:cNvPr id="4" name="제목 1"/>
+          <p:cNvSpPr>
+            <a:spLocks noGrp="1"/>
+          </p:cNvSpPr>
+          <p:nvPr>
+            <p:ph type="title"/>
+          </p:nvPr>
+        </p:nvSpPr>
+        <p:spPr>
+          <a:xfrm>
+            <a:off x="1141411" y="0"/>
+            <a:ext cx="9905998" cy="733245"/>
+          </a:xfrm>
+          <a:ln>
+            <a:noFill/>
+          </a:ln>
+        </p:spPr>
+        <p:txBody>
+          <a:bodyPr/>
+          <a:lstStyle/>
+          <a:p>
+            <a:pPr marL="342900" indent="-342900"/>
+            <a:r>
+              <a:rPr lang="en-US" altLang="ko-KR" dirty="0"/>
+              <a:t>1. </a:t>
+            </a:r>
+            <a:r>
+              <a:rPr lang="ko-KR" altLang="en-US" dirty="0"/>
+              <a:t>네트워크 프로그래밍</a:t>
+            </a:r>
+            <a:endParaRPr lang="en-US" altLang="ko-KR" dirty="0"/>
+          </a:p>
+        </p:txBody>
+      </p:sp>
+      <p:pic>
+        <p:nvPicPr>
+          <p:cNvPr id="3" name="그림 2" descr="스크린샷이(가) 표시된 사진&#10;&#10;자동 생성된 설명">
+            <a:extLst>
+              <a:ext uri="{FF2B5EF4-FFF2-40B4-BE49-F238E27FC236}">
+                <a16:creationId xmlns:a16="http://schemas.microsoft.com/office/drawing/2014/main" id="{EAD0D701-36C8-457D-AD53-9B137142D9C6}"/>
+              </a:ext>
+            </a:extLst>
+          </p:cNvPr>
+          <p:cNvPicPr>
+            <a:picLocks noChangeAspect="1"/>
+          </p:cNvPicPr>
+          <p:nvPr/>
+        </p:nvPicPr>
+        <p:blipFill>
+          <a:blip r:embed="rId3"/>
+          <a:stretch>
+            <a:fillRect/>
+          </a:stretch>
+        </p:blipFill>
+        <p:spPr>
+          <a:xfrm>
+            <a:off x="1141411" y="885645"/>
+            <a:ext cx="9905998" cy="5568130"/>
+          </a:xfrm>
+          <a:prstGeom prst="rect">
+            <a:avLst/>
+          </a:prstGeom>
+        </p:spPr>
+      </p:pic>
+    </p:spTree>
+    <p:extLst>
+      <p:ext uri="{BB962C8B-B14F-4D97-AF65-F5344CB8AC3E}">
+        <p14:creationId xmlns:p14="http://schemas.microsoft.com/office/powerpoint/2010/main" val="3027186393"/>
       </p:ext>
     </p:extLst>
   </p:cSld>
@@ -34183,6 +37056,171 @@
 </p:sld>
 </file>
 
+<file path=ppt/slides/slide20.xml><?xml version="1.0" encoding="utf-8"?>
+<p:sld xmlns:a="http://schemas.openxmlformats.org/drawingml/2006/main" xmlns:r="http://schemas.openxmlformats.org/officeDocument/2006/relationships" xmlns:p="http://schemas.openxmlformats.org/presentationml/2006/main">
+  <p:cSld>
+    <p:spTree>
+      <p:nvGrpSpPr>
+        <p:cNvPr id="1" name=""/>
+        <p:cNvGrpSpPr/>
+        <p:nvPr/>
+      </p:nvGrpSpPr>
+      <p:grpSpPr>
+        <a:xfrm>
+          <a:off x="0" y="0"/>
+          <a:ext cx="0" cy="0"/>
+          <a:chOff x="0" y="0"/>
+          <a:chExt cx="0" cy="0"/>
+        </a:xfrm>
+      </p:grpSpPr>
+      <p:sp>
+        <p:nvSpPr>
+          <p:cNvPr id="4" name="제목 1"/>
+          <p:cNvSpPr>
+            <a:spLocks noGrp="1"/>
+          </p:cNvSpPr>
+          <p:nvPr>
+            <p:ph type="title"/>
+          </p:nvPr>
+        </p:nvSpPr>
+        <p:spPr>
+          <a:xfrm>
+            <a:off x="1141411" y="0"/>
+            <a:ext cx="9905998" cy="733245"/>
+          </a:xfrm>
+          <a:ln>
+            <a:noFill/>
+          </a:ln>
+        </p:spPr>
+        <p:txBody>
+          <a:bodyPr/>
+          <a:lstStyle/>
+          <a:p>
+            <a:pPr marL="342900" indent="-342900"/>
+            <a:r>
+              <a:rPr lang="en-US" altLang="ko-KR" dirty="0"/>
+              <a:t>1. </a:t>
+            </a:r>
+            <a:r>
+              <a:rPr lang="ko-KR" altLang="en-US" dirty="0"/>
+              <a:t>네트워크 프로그래밍</a:t>
+            </a:r>
+            <a:endParaRPr lang="en-US" altLang="ko-KR" dirty="0"/>
+          </a:p>
+        </p:txBody>
+      </p:sp>
+      <p:pic>
+        <p:nvPicPr>
+          <p:cNvPr id="5" name="그림 4" descr="스크린샷, 모니터이(가) 표시된 사진&#10;&#10;자동 생성된 설명">
+            <a:extLst>
+              <a:ext uri="{FF2B5EF4-FFF2-40B4-BE49-F238E27FC236}">
+                <a16:creationId xmlns:a16="http://schemas.microsoft.com/office/drawing/2014/main" id="{5A46AE5E-27AB-46F7-A39A-EC89BCA9CF9C}"/>
+              </a:ext>
+            </a:extLst>
+          </p:cNvPr>
+          <p:cNvPicPr>
+            <a:picLocks noChangeAspect="1"/>
+          </p:cNvPicPr>
+          <p:nvPr/>
+        </p:nvPicPr>
+        <p:blipFill>
+          <a:blip r:embed="rId3"/>
+          <a:stretch>
+            <a:fillRect/>
+          </a:stretch>
+        </p:blipFill>
+        <p:spPr>
+          <a:xfrm>
+            <a:off x="1690258" y="1102577"/>
+            <a:ext cx="8804565" cy="5590009"/>
+          </a:xfrm>
+          <a:prstGeom prst="rect">
+            <a:avLst/>
+          </a:prstGeom>
+        </p:spPr>
+      </p:pic>
+      <p:sp>
+        <p:nvSpPr>
+          <p:cNvPr id="6" name="TextBox 5">
+            <a:extLst>
+              <a:ext uri="{FF2B5EF4-FFF2-40B4-BE49-F238E27FC236}">
+                <a16:creationId xmlns:a16="http://schemas.microsoft.com/office/drawing/2014/main" id="{FCD27260-FCC2-4921-B673-FD7F80A3A2B3}"/>
+              </a:ext>
+            </a:extLst>
+          </p:cNvPr>
+          <p:cNvSpPr txBox="1"/>
+          <p:nvPr/>
+        </p:nvSpPr>
+        <p:spPr>
+          <a:xfrm>
+            <a:off x="1141410" y="733245"/>
+            <a:ext cx="9902263" cy="369332"/>
+          </a:xfrm>
+          <a:prstGeom prst="rect">
+            <a:avLst/>
+          </a:prstGeom>
+          <a:noFill/>
+          <a:ln>
+            <a:noFill/>
+          </a:ln>
+        </p:spPr>
+        <p:txBody>
+          <a:bodyPr wrap="square" rtlCol="0">
+            <a:spAutoFit/>
+          </a:bodyPr>
+          <a:lstStyle/>
+          <a:p>
+            <a:r>
+              <a:rPr lang="en-US" altLang="ko-KR" dirty="0">
+                <a:latin typeface="Arial Black" pitchFamily="34" charset="0"/>
+                <a:sym typeface="Wingdings" panose="05000000000000000000" pitchFamily="2" charset="2"/>
+              </a:rPr>
+              <a:t>.</a:t>
+            </a:r>
+            <a:r>
+              <a:rPr lang="en-US" altLang="ko-KR" dirty="0" err="1">
+                <a:latin typeface="Arial Black" pitchFamily="34" charset="0"/>
+                <a:sym typeface="Wingdings" panose="05000000000000000000" pitchFamily="2" charset="2"/>
+              </a:rPr>
+              <a:t>dll</a:t>
+            </a:r>
+            <a:r>
+              <a:rPr lang="en-US" altLang="ko-KR" dirty="0">
+                <a:latin typeface="Arial Black" pitchFamily="34" charset="0"/>
+                <a:sym typeface="Wingdings" panose="05000000000000000000" pitchFamily="2" charset="2"/>
+              </a:rPr>
+              <a:t> </a:t>
+            </a:r>
+            <a:r>
+              <a:rPr lang="ko-KR" altLang="en-US" dirty="0">
+                <a:latin typeface="Arial Black" pitchFamily="34" charset="0"/>
+                <a:sym typeface="Wingdings" panose="05000000000000000000" pitchFamily="2" charset="2"/>
+              </a:rPr>
+              <a:t>파일의 경로를 검색해서 직접 추가를 해주면 사용할 수 있다</a:t>
+            </a:r>
+            <a:r>
+              <a:rPr lang="en-US" altLang="ko-KR" dirty="0">
+                <a:latin typeface="Arial Black" pitchFamily="34" charset="0"/>
+                <a:sym typeface="Wingdings" panose="05000000000000000000" pitchFamily="2" charset="2"/>
+              </a:rPr>
+              <a:t>.</a:t>
+            </a:r>
+          </a:p>
+        </p:txBody>
+      </p:sp>
+    </p:spTree>
+    <p:extLst>
+      <p:ext uri="{BB962C8B-B14F-4D97-AF65-F5344CB8AC3E}">
+        <p14:creationId xmlns:p14="http://schemas.microsoft.com/office/powerpoint/2010/main" val="2135807752"/>
+      </p:ext>
+    </p:extLst>
+  </p:cSld>
+  <p:clrMapOvr>
+    <a:masterClrMapping/>
+  </p:clrMapOvr>
+</p:sld>
+</file>
+
 <file path=ppt/slides/slide3.xml><?xml version="1.0" encoding="utf-8"?>
 <p:sld xmlns:a="http://schemas.openxmlformats.org/drawingml/2006/main" xmlns:r="http://schemas.openxmlformats.org/officeDocument/2006/relationships" xmlns:p="http://schemas.openxmlformats.org/presentationml/2006/main">
   <p:cSld>
